--- a/documents/开题答辩.pptx
+++ b/documents/开题答辩.pptx
@@ -20169,30 +20169,23 @@
           <a:p>
             <a:r>
               <a:rPr lang="zh-CN" altLang="en-US" dirty="0"/>
-              <a:t>基于飞腾派的</a:t>
-            </a:r>
-            <a:r>
-              <a:rPr lang="en-US" altLang="zh-CN" dirty="0" err="1"/>
-              <a:t>A</a:t>
-            </a:r>
-            <a:r>
-              <a:rPr lang="en-US" altLang="zh-CN" cap="none" dirty="0" err="1"/>
-              <a:t>rce</a:t>
-            </a:r>
-            <a:r>
-              <a:rPr lang="en-US" altLang="zh-CN" dirty="0" err="1"/>
-              <a:t>os</a:t>
+              <a:t>基于</a:t>
+            </a:r>
+            <a:r>
+              <a:rPr lang="en-US" altLang="zh-CN" dirty="0"/>
+              <a:t>Rust</a:t>
             </a:r>
             <a:r>
               <a:rPr lang="zh-CN" altLang="en-US" dirty="0"/>
-              <a:t>移植</a:t>
-            </a:r>
-            <a:br>
-              <a:rPr lang="en-HK" altLang="zh-CN" dirty="0"/>
-            </a:br>
+              <a:t>的跨平台</a:t>
+            </a:r>
+            <a:r>
+              <a:rPr lang="en-US" altLang="zh-CN" dirty="0"/>
+              <a:t>USB</a:t>
+            </a:r>
             <a:r>
               <a:rPr lang="zh-CN" altLang="en-US" dirty="0"/>
-              <a:t>与外设驱动开发</a:t>
+              <a:t>驱动子系统的设计与实现</a:t>
             </a:r>
             <a:endParaRPr lang="en-US" dirty="0"/>
           </a:p>
@@ -20215,16 +20208,9 @@
           <a:p>
             <a:r>
               <a:rPr lang="zh-CN" altLang="en-US" sz="2400" dirty="0"/>
-              <a:t>旋转轮椅队</a:t>
-            </a:r>
-            <a:endParaRPr lang="en-US" altLang="zh-CN" sz="2400" dirty="0"/>
-          </a:p>
-          <a:p>
-            <a:r>
-              <a:rPr lang="zh-CN" altLang="en-US" sz="1600" dirty="0"/>
-              <a:t>姚宏伟、蒋秋吉，郭天宇</a:t>
-            </a:r>
-            <a:endParaRPr lang="en-US" altLang="zh-CN" sz="1600" dirty="0"/>
+              <a:t>姚宏伟</a:t>
+            </a:r>
+            <a:endParaRPr lang="en-HK" altLang="zh-CN" sz="2400" dirty="0"/>
           </a:p>
           <a:p>
             <a:r>
@@ -20236,36 +20222,13 @@
           <a:p>
             <a:r>
               <a:rPr lang="zh-CN" altLang="en-US" sz="1600" dirty="0"/>
-              <a:t>指导老师：李明</a:t>
+              <a:t>指导老师：</a:t>
+            </a:r>
+            <a:r>
+              <a:rPr lang="zh-CN" altLang="en-US" sz="1600"/>
+              <a:t>丁菊</a:t>
             </a:r>
             <a:endParaRPr lang="en-HK" altLang="zh-CN" sz="1600" dirty="0"/>
-          </a:p>
-          <a:p>
-            <a:r>
-              <a:rPr lang="en-HK" altLang="zh-CN" sz="1600" dirty="0"/>
-              <a:t>2024</a:t>
-            </a:r>
-            <a:r>
-              <a:rPr lang="zh-CN" altLang="en-US" sz="1600" dirty="0"/>
-              <a:t>年</a:t>
-            </a:r>
-            <a:r>
-              <a:rPr lang="en-HK" altLang="zh-CN" sz="1600" dirty="0"/>
-              <a:t>8</a:t>
-            </a:r>
-            <a:r>
-              <a:rPr lang="zh-CN" altLang="en-US" sz="1600" dirty="0"/>
-              <a:t>月</a:t>
-            </a:r>
-            <a:r>
-              <a:rPr lang="en-HK" altLang="zh-CN" sz="1600" dirty="0"/>
-              <a:t>19</a:t>
-            </a:r>
-            <a:r>
-              <a:rPr lang="zh-CN" altLang="en-US" sz="1600" dirty="0"/>
-              <a:t>日</a:t>
-            </a:r>
-            <a:endParaRPr lang="en-US" altLang="zh-CN" sz="1600" dirty="0"/>
           </a:p>
         </p:txBody>
       </p:sp>

--- a/documents/开题答辩.pptx
+++ b/documents/开题答辩.pptx
@@ -142,1388 +142,9 @@
 <file path=ppt/revisionInfo.xml><?xml version="1.0" encoding="utf-8"?>
 <p1510:revInfo xmlns:a="http://schemas.openxmlformats.org/drawingml/2006/main" xmlns:r="http://schemas.openxmlformats.org/officeDocument/2006/relationships" xmlns:p1510="http://schemas.microsoft.com/office/powerpoint/2015/10/main">
   <p1510:revLst>
-    <p1510:client id="{6C34A5EC-40D9-4F4C-AAE7-DDA42FA443E8}" v="77" dt="2024-08-19T02:19:32.857"/>
+    <p1510:client id="{9A59F5B7-D009-479D-9FD1-0E9B1F36E1A2}" v="5" dt="2024-10-22T13:44:37.543"/>
   </p1510:revLst>
 </p1510:revInfo>
-</file>
-
-<file path=ppt/changesInfos/changesInfo1.xml><?xml version="1.0" encoding="utf-8"?>
-<pc:chgInfo xmlns:a="http://schemas.openxmlformats.org/drawingml/2006/main" xmlns:r="http://schemas.openxmlformats.org/officeDocument/2006/relationships" xmlns:ac="http://schemas.microsoft.com/office/drawing/2013/main/command" xmlns:pc="http://schemas.microsoft.com/office/powerpoint/2013/main/command">
-  <pc:docChgLst>
-    <pc:chgData name="dbydd mfrf-" userId="73ebdcb88384168a" providerId="LiveId" clId="{6C34A5EC-40D9-4F4C-AAE7-DDA42FA443E8}"/>
-    <pc:docChg chg="undo custSel addSld delSld modSld sldOrd modMainMaster">
-      <pc:chgData name="dbydd mfrf-" userId="73ebdcb88384168a" providerId="LiveId" clId="{6C34A5EC-40D9-4F4C-AAE7-DDA42FA443E8}" dt="2024-08-19T02:19:32.857" v="4004"/>
-      <pc:docMkLst>
-        <pc:docMk/>
-      </pc:docMkLst>
-      <pc:sldChg chg="modSp mod modNotesTx">
-        <pc:chgData name="dbydd mfrf-" userId="73ebdcb88384168a" providerId="LiveId" clId="{6C34A5EC-40D9-4F4C-AAE7-DDA42FA443E8}" dt="2024-08-19T01:40:15.207" v="3275" actId="20577"/>
-        <pc:sldMkLst>
-          <pc:docMk/>
-          <pc:sldMk cId="0" sldId="342"/>
-        </pc:sldMkLst>
-        <pc:spChg chg="mod">
-          <ac:chgData name="dbydd mfrf-" userId="73ebdcb88384168a" providerId="LiveId" clId="{6C34A5EC-40D9-4F4C-AAE7-DDA42FA443E8}" dt="2024-08-18T13:19:38.051" v="1110"/>
-          <ac:spMkLst>
-            <pc:docMk/>
-            <pc:sldMk cId="0" sldId="342"/>
-            <ac:spMk id="9" creationId="{00000000-0000-0000-0000-000000000000}"/>
-          </ac:spMkLst>
-        </pc:spChg>
-        <pc:spChg chg="mod">
-          <ac:chgData name="dbydd mfrf-" userId="73ebdcb88384168a" providerId="LiveId" clId="{6C34A5EC-40D9-4F4C-AAE7-DDA42FA443E8}" dt="2024-08-18T13:19:51.182" v="1111"/>
-          <ac:spMkLst>
-            <pc:docMk/>
-            <pc:sldMk cId="0" sldId="342"/>
-            <ac:spMk id="12" creationId="{00000000-0000-0000-0000-000000000000}"/>
-          </ac:spMkLst>
-        </pc:spChg>
-      </pc:sldChg>
-      <pc:sldChg chg="modSp mod modNotesTx">
-        <pc:chgData name="dbydd mfrf-" userId="73ebdcb88384168a" providerId="LiveId" clId="{6C34A5EC-40D9-4F4C-AAE7-DDA42FA443E8}" dt="2024-08-19T01:40:37.033" v="3364" actId="20577"/>
-        <pc:sldMkLst>
-          <pc:docMk/>
-          <pc:sldMk cId="0" sldId="359"/>
-        </pc:sldMkLst>
-        <pc:spChg chg="mod">
-          <ac:chgData name="dbydd mfrf-" userId="73ebdcb88384168a" providerId="LiveId" clId="{6C34A5EC-40D9-4F4C-AAE7-DDA42FA443E8}" dt="2024-08-18T14:21:24.413" v="1589" actId="20577"/>
-          <ac:spMkLst>
-            <pc:docMk/>
-            <pc:sldMk cId="0" sldId="359"/>
-            <ac:spMk id="7" creationId="{00000000-0000-0000-0000-000000000000}"/>
-          </ac:spMkLst>
-        </pc:spChg>
-        <pc:spChg chg="mod">
-          <ac:chgData name="dbydd mfrf-" userId="73ebdcb88384168a" providerId="LiveId" clId="{6C34A5EC-40D9-4F4C-AAE7-DDA42FA443E8}" dt="2024-08-18T14:30:55.859" v="2206" actId="20577"/>
-          <ac:spMkLst>
-            <pc:docMk/>
-            <pc:sldMk cId="0" sldId="359"/>
-            <ac:spMk id="31" creationId="{00000000-0000-0000-0000-000000000000}"/>
-          </ac:spMkLst>
-        </pc:spChg>
-      </pc:sldChg>
-      <pc:sldChg chg="modSp mod">
-        <pc:chgData name="dbydd mfrf-" userId="73ebdcb88384168a" providerId="LiveId" clId="{6C34A5EC-40D9-4F4C-AAE7-DDA42FA443E8}" dt="2024-08-18T14:31:57.995" v="2282" actId="207"/>
-        <pc:sldMkLst>
-          <pc:docMk/>
-          <pc:sldMk cId="0" sldId="372"/>
-        </pc:sldMkLst>
-        <pc:spChg chg="mod">
-          <ac:chgData name="dbydd mfrf-" userId="73ebdcb88384168a" providerId="LiveId" clId="{6C34A5EC-40D9-4F4C-AAE7-DDA42FA443E8}" dt="2024-08-18T14:31:57.995" v="2282" actId="207"/>
-          <ac:spMkLst>
-            <pc:docMk/>
-            <pc:sldMk cId="0" sldId="372"/>
-            <ac:spMk id="14" creationId="{00000000-0000-0000-0000-000000000000}"/>
-          </ac:spMkLst>
-        </pc:spChg>
-        <pc:spChg chg="mod">
-          <ac:chgData name="dbydd mfrf-" userId="73ebdcb88384168a" providerId="LiveId" clId="{6C34A5EC-40D9-4F4C-AAE7-DDA42FA443E8}" dt="2024-08-18T13:19:26.507" v="1109"/>
-          <ac:spMkLst>
-            <pc:docMk/>
-            <pc:sldMk cId="0" sldId="372"/>
-            <ac:spMk id="24" creationId="{00000000-0000-0000-0000-000000000000}"/>
-          </ac:spMkLst>
-        </pc:spChg>
-      </pc:sldChg>
-      <pc:sldChg chg="addSp delSp modSp del mod">
-        <pc:chgData name="dbydd mfrf-" userId="73ebdcb88384168a" providerId="LiveId" clId="{6C34A5EC-40D9-4F4C-AAE7-DDA42FA443E8}" dt="2024-08-18T15:04:37.444" v="2941" actId="20577"/>
-        <pc:sldMkLst>
-          <pc:docMk/>
-          <pc:sldMk cId="366145977" sldId="374"/>
-        </pc:sldMkLst>
-        <pc:spChg chg="mod">
-          <ac:chgData name="dbydd mfrf-" userId="73ebdcb88384168a" providerId="LiveId" clId="{6C34A5EC-40D9-4F4C-AAE7-DDA42FA443E8}" dt="2024-08-18T14:33:47.152" v="2293" actId="20577"/>
-          <ac:spMkLst>
-            <pc:docMk/>
-            <pc:sldMk cId="366145977" sldId="374"/>
-            <ac:spMk id="3" creationId="{00000000-0000-0000-0000-000000000000}"/>
-          </ac:spMkLst>
-        </pc:spChg>
-        <pc:spChg chg="mod">
-          <ac:chgData name="dbydd mfrf-" userId="73ebdcb88384168a" providerId="LiveId" clId="{6C34A5EC-40D9-4F4C-AAE7-DDA42FA443E8}" dt="2024-08-18T15:04:37.444" v="2941" actId="20577"/>
-          <ac:spMkLst>
-            <pc:docMk/>
-            <pc:sldMk cId="366145977" sldId="374"/>
-            <ac:spMk id="5" creationId="{00000000-0000-0000-0000-000000000000}"/>
-          </ac:spMkLst>
-        </pc:spChg>
-        <pc:spChg chg="add del mod">
-          <ac:chgData name="dbydd mfrf-" userId="73ebdcb88384168a" providerId="LiveId" clId="{6C34A5EC-40D9-4F4C-AAE7-DDA42FA443E8}" dt="2024-08-18T14:16:39.369" v="1334"/>
-          <ac:spMkLst>
-            <pc:docMk/>
-            <pc:sldMk cId="366145977" sldId="374"/>
-            <ac:spMk id="6" creationId="{CC4A3456-0342-F1EE-7258-09B8E58B2F62}"/>
-          </ac:spMkLst>
-        </pc:spChg>
-        <pc:spChg chg="add del mod">
-          <ac:chgData name="dbydd mfrf-" userId="73ebdcb88384168a" providerId="LiveId" clId="{6C34A5EC-40D9-4F4C-AAE7-DDA42FA443E8}" dt="2024-08-18T15:02:03.909" v="2918"/>
-          <ac:spMkLst>
-            <pc:docMk/>
-            <pc:sldMk cId="366145977" sldId="374"/>
-            <ac:spMk id="8" creationId="{76FE9B20-D796-B051-F14B-ACAF199C2992}"/>
-          </ac:spMkLst>
-        </pc:spChg>
-        <pc:spChg chg="add del mod">
-          <ac:chgData name="dbydd mfrf-" userId="73ebdcb88384168a" providerId="LiveId" clId="{6C34A5EC-40D9-4F4C-AAE7-DDA42FA443E8}" dt="2024-08-18T15:02:59.440" v="2920" actId="931"/>
-          <ac:spMkLst>
-            <pc:docMk/>
-            <pc:sldMk cId="366145977" sldId="374"/>
-            <ac:spMk id="12" creationId="{42067458-2B0F-B418-5F30-4C5BBA47A406}"/>
-          </ac:spMkLst>
-        </pc:spChg>
-        <pc:spChg chg="add del mod">
-          <ac:chgData name="dbydd mfrf-" userId="73ebdcb88384168a" providerId="LiveId" clId="{6C34A5EC-40D9-4F4C-AAE7-DDA42FA443E8}" dt="2024-08-18T15:03:48.623" v="2922" actId="22"/>
-          <ac:spMkLst>
-            <pc:docMk/>
-            <pc:sldMk cId="366145977" sldId="374"/>
-            <ac:spMk id="16" creationId="{53CD9D44-0010-EE87-3266-FA6DF1458A15}"/>
-          </ac:spMkLst>
-        </pc:spChg>
-        <pc:picChg chg="del">
-          <ac:chgData name="dbydd mfrf-" userId="73ebdcb88384168a" providerId="LiveId" clId="{6C34A5EC-40D9-4F4C-AAE7-DDA42FA443E8}" dt="2024-08-18T14:16:36.253" v="1332" actId="478"/>
-          <ac:picMkLst>
-            <pc:docMk/>
-            <pc:sldMk cId="366145977" sldId="374"/>
-            <ac:picMk id="4" creationId="{00000000-0000-0000-0000-000000000000}"/>
-          </ac:picMkLst>
-        </pc:picChg>
-        <pc:picChg chg="del">
-          <ac:chgData name="dbydd mfrf-" userId="73ebdcb88384168a" providerId="LiveId" clId="{6C34A5EC-40D9-4F4C-AAE7-DDA42FA443E8}" dt="2024-08-18T14:16:38.162" v="1333" actId="478"/>
-          <ac:picMkLst>
-            <pc:docMk/>
-            <pc:sldMk cId="366145977" sldId="374"/>
-            <ac:picMk id="7" creationId="{00000000-0000-0000-0000-000000000000}"/>
-          </ac:picMkLst>
-        </pc:picChg>
-        <pc:picChg chg="add del mod">
-          <ac:chgData name="dbydd mfrf-" userId="73ebdcb88384168a" providerId="LiveId" clId="{6C34A5EC-40D9-4F4C-AAE7-DDA42FA443E8}" dt="2024-08-18T15:02:48.701" v="2919" actId="478"/>
-          <ac:picMkLst>
-            <pc:docMk/>
-            <pc:sldMk cId="366145977" sldId="374"/>
-            <ac:picMk id="10" creationId="{22C0C740-2AF1-148F-00BB-96530C9DC532}"/>
-          </ac:picMkLst>
-        </pc:picChg>
-        <pc:picChg chg="add del mod">
-          <ac:chgData name="dbydd mfrf-" userId="73ebdcb88384168a" providerId="LiveId" clId="{6C34A5EC-40D9-4F4C-AAE7-DDA42FA443E8}" dt="2024-08-18T15:03:10.683" v="2921" actId="478"/>
-          <ac:picMkLst>
-            <pc:docMk/>
-            <pc:sldMk cId="366145977" sldId="374"/>
-            <ac:picMk id="14" creationId="{D190211C-46EE-B432-550B-45DD7D1EF2E0}"/>
-          </ac:picMkLst>
-        </pc:picChg>
-        <pc:picChg chg="add mod ord">
-          <ac:chgData name="dbydd mfrf-" userId="73ebdcb88384168a" providerId="LiveId" clId="{6C34A5EC-40D9-4F4C-AAE7-DDA42FA443E8}" dt="2024-08-18T15:03:56.412" v="2926" actId="1076"/>
-          <ac:picMkLst>
-            <pc:docMk/>
-            <pc:sldMk cId="366145977" sldId="374"/>
-            <ac:picMk id="18" creationId="{9D29DC45-028B-54E6-6ACC-E4F8F4C19A79}"/>
-          </ac:picMkLst>
-        </pc:picChg>
-        <pc:picChg chg="add del mod">
-          <ac:chgData name="dbydd mfrf-" userId="73ebdcb88384168a" providerId="LiveId" clId="{6C34A5EC-40D9-4F4C-AAE7-DDA42FA443E8}" dt="2024-08-18T14:33:48.005" v="2294" actId="478"/>
-          <ac:picMkLst>
-            <pc:docMk/>
-            <pc:sldMk cId="366145977" sldId="374"/>
-            <ac:picMk id="8194" creationId="{F124BC40-3562-2242-BD6A-6AB72B78C491}"/>
-          </ac:picMkLst>
-        </pc:picChg>
-      </pc:sldChg>
-      <pc:sldChg chg="add">
-        <pc:chgData name="dbydd mfrf-" userId="73ebdcb88384168a" providerId="LiveId" clId="{6C34A5EC-40D9-4F4C-AAE7-DDA42FA443E8}" dt="2024-08-18T11:46:04.207" v="657"/>
-        <pc:sldMkLst>
-          <pc:docMk/>
-          <pc:sldMk cId="555840777" sldId="376"/>
-        </pc:sldMkLst>
-        <pc:spChg chg="mod">
-          <ac:chgData name="dbydd mfrf-" userId="73ebdcb88384168a" providerId="LiveId" clId="{6C34A5EC-40D9-4F4C-AAE7-DDA42FA443E8}" dt="2024-08-18T13:19:26.507" v="1109"/>
-          <ac:spMkLst>
-            <pc:docMk/>
-            <pc:sldMk cId="555840777" sldId="376"/>
-            <ac:spMk id="3" creationId="{00000000-0000-0000-0000-000000000000}"/>
-          </ac:spMkLst>
-        </pc:spChg>
-        <pc:spChg chg="mod">
-          <ac:chgData name="dbydd mfrf-" userId="73ebdcb88384168a" providerId="LiveId" clId="{6C34A5EC-40D9-4F4C-AAE7-DDA42FA443E8}" dt="2024-08-18T13:19:26.507" v="1109"/>
-          <ac:spMkLst>
-            <pc:docMk/>
-            <pc:sldMk cId="555840777" sldId="376"/>
-            <ac:spMk id="5" creationId="{00000000-0000-0000-0000-000000000000}"/>
-          </ac:spMkLst>
-        </pc:spChg>
-        <pc:picChg chg="mod">
-          <ac:chgData name="dbydd mfrf-" userId="73ebdcb88384168a" providerId="LiveId" clId="{6C34A5EC-40D9-4F4C-AAE7-DDA42FA443E8}" dt="2024-08-18T13:19:26.507" v="1109"/>
-          <ac:picMkLst>
-            <pc:docMk/>
-            <pc:sldMk cId="555840777" sldId="376"/>
-            <ac:picMk id="4" creationId="{00000000-0000-0000-0000-000000000000}"/>
-          </ac:picMkLst>
-        </pc:picChg>
-      </pc:sldChg>
-      <pc:sldChg chg="modSp mod">
-        <pc:chgData name="dbydd mfrf-" userId="73ebdcb88384168a" providerId="LiveId" clId="{6C34A5EC-40D9-4F4C-AAE7-DDA42FA443E8}" dt="2024-08-18T13:19:26.507" v="1109"/>
-        <pc:sldMkLst>
-          <pc:docMk/>
-          <pc:sldMk cId="0" sldId="377"/>
-        </pc:sldMkLst>
-        <pc:spChg chg="mod">
-          <ac:chgData name="dbydd mfrf-" userId="73ebdcb88384168a" providerId="LiveId" clId="{6C34A5EC-40D9-4F4C-AAE7-DDA42FA443E8}" dt="2024-08-18T13:19:26.507" v="1109"/>
-          <ac:spMkLst>
-            <pc:docMk/>
-            <pc:sldMk cId="0" sldId="377"/>
-            <ac:spMk id="3" creationId="{00000000-0000-0000-0000-000000000000}"/>
-          </ac:spMkLst>
-        </pc:spChg>
-        <pc:spChg chg="mod">
-          <ac:chgData name="dbydd mfrf-" userId="73ebdcb88384168a" providerId="LiveId" clId="{6C34A5EC-40D9-4F4C-AAE7-DDA42FA443E8}" dt="2024-08-18T13:19:26.507" v="1109"/>
-          <ac:spMkLst>
-            <pc:docMk/>
-            <pc:sldMk cId="0" sldId="377"/>
-            <ac:spMk id="5" creationId="{00000000-0000-0000-0000-000000000000}"/>
-          </ac:spMkLst>
-        </pc:spChg>
-        <pc:picChg chg="mod">
-          <ac:chgData name="dbydd mfrf-" userId="73ebdcb88384168a" providerId="LiveId" clId="{6C34A5EC-40D9-4F4C-AAE7-DDA42FA443E8}" dt="2024-08-18T13:19:26.507" v="1109"/>
-          <ac:picMkLst>
-            <pc:docMk/>
-            <pc:sldMk cId="0" sldId="377"/>
-            <ac:picMk id="6" creationId="{00000000-0000-0000-0000-000000000000}"/>
-          </ac:picMkLst>
-        </pc:picChg>
-      </pc:sldChg>
-      <pc:sldChg chg="addSp delSp modSp del mod modClrScheme chgLayout">
-        <pc:chgData name="dbydd mfrf-" userId="73ebdcb88384168a" providerId="LiveId" clId="{6C34A5EC-40D9-4F4C-AAE7-DDA42FA443E8}" dt="2024-08-18T13:14:15.627" v="932" actId="47"/>
-        <pc:sldMkLst>
-          <pc:docMk/>
-          <pc:sldMk cId="0" sldId="378"/>
-        </pc:sldMkLst>
-        <pc:spChg chg="add mod ord">
-          <ac:chgData name="dbydd mfrf-" userId="73ebdcb88384168a" providerId="LiveId" clId="{6C34A5EC-40D9-4F4C-AAE7-DDA42FA443E8}" dt="2024-08-18T13:13:49.347" v="924" actId="700"/>
-          <ac:spMkLst>
-            <pc:docMk/>
-            <pc:sldMk cId="0" sldId="378"/>
-            <ac:spMk id="2" creationId="{9E647343-0EF8-9C71-2EBA-BEB7234E3DF0}"/>
-          </ac:spMkLst>
-        </pc:spChg>
-        <pc:spChg chg="add del mod">
-          <ac:chgData name="dbydd mfrf-" userId="73ebdcb88384168a" providerId="LiveId" clId="{6C34A5EC-40D9-4F4C-AAE7-DDA42FA443E8}" dt="2024-08-18T13:11:51.422" v="922"/>
-          <ac:spMkLst>
-            <pc:docMk/>
-            <pc:sldMk cId="0" sldId="378"/>
-            <ac:spMk id="3" creationId="{EEB4549B-1399-BE65-18F3-E1DDE54753C7}"/>
-          </ac:spMkLst>
-        </pc:spChg>
-        <pc:spChg chg="mod ord">
-          <ac:chgData name="dbydd mfrf-" userId="73ebdcb88384168a" providerId="LiveId" clId="{6C34A5EC-40D9-4F4C-AAE7-DDA42FA443E8}" dt="2024-08-18T13:14:06.207" v="928" actId="21"/>
-          <ac:spMkLst>
-            <pc:docMk/>
-            <pc:sldMk cId="0" sldId="378"/>
-            <ac:spMk id="5" creationId="{00000000-0000-0000-0000-000000000000}"/>
-          </ac:spMkLst>
-        </pc:spChg>
-        <pc:spChg chg="add del mod">
-          <ac:chgData name="dbydd mfrf-" userId="73ebdcb88384168a" providerId="LiveId" clId="{6C34A5EC-40D9-4F4C-AAE7-DDA42FA443E8}" dt="2024-08-18T13:14:10.880" v="930" actId="21"/>
-          <ac:spMkLst>
-            <pc:docMk/>
-            <pc:sldMk cId="0" sldId="378"/>
-            <ac:spMk id="8" creationId="{00000000-0000-0000-0000-000000000000}"/>
-          </ac:spMkLst>
-        </pc:spChg>
-        <pc:picChg chg="del mod">
-          <ac:chgData name="dbydd mfrf-" userId="73ebdcb88384168a" providerId="LiveId" clId="{6C34A5EC-40D9-4F4C-AAE7-DDA42FA443E8}" dt="2024-08-18T11:50:18.757" v="660" actId="21"/>
-          <ac:picMkLst>
-            <pc:docMk/>
-            <pc:sldMk cId="0" sldId="378"/>
-            <ac:picMk id="10" creationId="{00000000-0000-0000-0000-000000000000}"/>
-          </ac:picMkLst>
-        </pc:picChg>
-        <pc:picChg chg="add mod ord">
-          <ac:chgData name="dbydd mfrf-" userId="73ebdcb88384168a" providerId="LiveId" clId="{6C34A5EC-40D9-4F4C-AAE7-DDA42FA443E8}" dt="2024-08-18T13:13:49.347" v="924" actId="700"/>
-          <ac:picMkLst>
-            <pc:docMk/>
-            <pc:sldMk cId="0" sldId="378"/>
-            <ac:picMk id="1026" creationId="{1D739843-72F6-C73E-EC0F-4D13C1252F1F}"/>
-          </ac:picMkLst>
-        </pc:picChg>
-      </pc:sldChg>
-      <pc:sldChg chg="addSp delSp modSp mod delAnim modAnim">
-        <pc:chgData name="dbydd mfrf-" userId="73ebdcb88384168a" providerId="LiveId" clId="{6C34A5EC-40D9-4F4C-AAE7-DDA42FA443E8}" dt="2024-08-18T14:34:57.129" v="2371" actId="20577"/>
-        <pc:sldMkLst>
-          <pc:docMk/>
-          <pc:sldMk cId="0" sldId="379"/>
-        </pc:sldMkLst>
-        <pc:spChg chg="mod">
-          <ac:chgData name="dbydd mfrf-" userId="73ebdcb88384168a" providerId="LiveId" clId="{6C34A5EC-40D9-4F4C-AAE7-DDA42FA443E8}" dt="2024-08-18T14:34:57.129" v="2371" actId="20577"/>
-          <ac:spMkLst>
-            <pc:docMk/>
-            <pc:sldMk cId="0" sldId="379"/>
-            <ac:spMk id="3" creationId="{00000000-0000-0000-0000-000000000000}"/>
-          </ac:spMkLst>
-        </pc:spChg>
-        <pc:spChg chg="mod">
-          <ac:chgData name="dbydd mfrf-" userId="73ebdcb88384168a" providerId="LiveId" clId="{6C34A5EC-40D9-4F4C-AAE7-DDA42FA443E8}" dt="2024-08-18T14:31:43.622" v="2281" actId="20577"/>
-          <ac:spMkLst>
-            <pc:docMk/>
-            <pc:sldMk cId="0" sldId="379"/>
-            <ac:spMk id="5" creationId="{00000000-0000-0000-0000-000000000000}"/>
-          </ac:spMkLst>
-        </pc:spChg>
-        <pc:spChg chg="add del mod">
-          <ac:chgData name="dbydd mfrf-" userId="73ebdcb88384168a" providerId="LiveId" clId="{6C34A5EC-40D9-4F4C-AAE7-DDA42FA443E8}" dt="2024-08-18T13:52:30.228" v="1329"/>
-          <ac:spMkLst>
-            <pc:docMk/>
-            <pc:sldMk cId="0" sldId="379"/>
-            <ac:spMk id="6" creationId="{F25E7BBB-2A7C-3987-D051-AF0C071B4F3C}"/>
-          </ac:spMkLst>
-        </pc:spChg>
-        <pc:spChg chg="add del mod">
-          <ac:chgData name="dbydd mfrf-" userId="73ebdcb88384168a" providerId="LiveId" clId="{6C34A5EC-40D9-4F4C-AAE7-DDA42FA443E8}" dt="2024-08-18T14:02:40.771" v="1331"/>
-          <ac:spMkLst>
-            <pc:docMk/>
-            <pc:sldMk cId="0" sldId="379"/>
-            <ac:spMk id="9" creationId="{A5514BB0-4C00-4A1E-B767-3DFE2A63489C}"/>
-          </ac:spMkLst>
-        </pc:spChg>
-        <pc:picChg chg="del mod">
-          <ac:chgData name="dbydd mfrf-" userId="73ebdcb88384168a" providerId="LiveId" clId="{6C34A5EC-40D9-4F4C-AAE7-DDA42FA443E8}" dt="2024-08-18T13:33:20.337" v="1328" actId="478"/>
-          <ac:picMkLst>
-            <pc:docMk/>
-            <pc:sldMk cId="0" sldId="379"/>
-            <ac:picMk id="2" creationId="{00000000-0000-0000-0000-000000000000}"/>
-          </ac:picMkLst>
-        </pc:picChg>
-        <pc:picChg chg="add del mod">
-          <ac:chgData name="dbydd mfrf-" userId="73ebdcb88384168a" providerId="LiveId" clId="{6C34A5EC-40D9-4F4C-AAE7-DDA42FA443E8}" dt="2024-08-18T14:02:32.991" v="1330" actId="478"/>
-          <ac:picMkLst>
-            <pc:docMk/>
-            <pc:sldMk cId="0" sldId="379"/>
-            <ac:picMk id="7" creationId="{A435B2FF-543C-1469-36BF-75BA811BFD9D}"/>
-          </ac:picMkLst>
-        </pc:picChg>
-        <pc:picChg chg="add mod">
-          <ac:chgData name="dbydd mfrf-" userId="73ebdcb88384168a" providerId="LiveId" clId="{6C34A5EC-40D9-4F4C-AAE7-DDA42FA443E8}" dt="2024-08-18T14:02:40.771" v="1331"/>
-          <ac:picMkLst>
-            <pc:docMk/>
-            <pc:sldMk cId="0" sldId="379"/>
-            <ac:picMk id="10" creationId="{1F0403B2-FEF6-FBBF-E233-0A9D6B896821}"/>
-          </ac:picMkLst>
-        </pc:picChg>
-      </pc:sldChg>
-      <pc:sldChg chg="modSp mod">
-        <pc:chgData name="dbydd mfrf-" userId="73ebdcb88384168a" providerId="LiveId" clId="{6C34A5EC-40D9-4F4C-AAE7-DDA42FA443E8}" dt="2024-08-18T14:43:36.121" v="2917" actId="20577"/>
-        <pc:sldMkLst>
-          <pc:docMk/>
-          <pc:sldMk cId="0" sldId="380"/>
-        </pc:sldMkLst>
-        <pc:spChg chg="mod">
-          <ac:chgData name="dbydd mfrf-" userId="73ebdcb88384168a" providerId="LiveId" clId="{6C34A5EC-40D9-4F4C-AAE7-DDA42FA443E8}" dt="2024-08-18T13:19:26.507" v="1109"/>
-          <ac:spMkLst>
-            <pc:docMk/>
-            <pc:sldMk cId="0" sldId="380"/>
-            <ac:spMk id="2" creationId="{00000000-0000-0000-0000-000000000000}"/>
-          </ac:spMkLst>
-        </pc:spChg>
-        <pc:spChg chg="mod">
-          <ac:chgData name="dbydd mfrf-" userId="73ebdcb88384168a" providerId="LiveId" clId="{6C34A5EC-40D9-4F4C-AAE7-DDA42FA443E8}" dt="2024-08-18T14:43:36.121" v="2917" actId="20577"/>
-          <ac:spMkLst>
-            <pc:docMk/>
-            <pc:sldMk cId="0" sldId="380"/>
-            <ac:spMk id="3" creationId="{00000000-0000-0000-0000-000000000000}"/>
-          </ac:spMkLst>
-        </pc:spChg>
-      </pc:sldChg>
-      <pc:sldChg chg="addSp delSp modSp mod">
-        <pc:chgData name="dbydd mfrf-" userId="73ebdcb88384168a" providerId="LiveId" clId="{6C34A5EC-40D9-4F4C-AAE7-DDA42FA443E8}" dt="2024-08-18T13:21:28.447" v="1116" actId="478"/>
-        <pc:sldMkLst>
-          <pc:docMk/>
-          <pc:sldMk cId="0" sldId="381"/>
-        </pc:sldMkLst>
-        <pc:spChg chg="mod">
-          <ac:chgData name="dbydd mfrf-" userId="73ebdcb88384168a" providerId="LiveId" clId="{6C34A5EC-40D9-4F4C-AAE7-DDA42FA443E8}" dt="2024-08-18T13:19:26.507" v="1109"/>
-          <ac:spMkLst>
-            <pc:docMk/>
-            <pc:sldMk cId="0" sldId="381"/>
-            <ac:spMk id="2" creationId="{00000000-0000-0000-0000-000000000000}"/>
-          </ac:spMkLst>
-        </pc:spChg>
-        <pc:spChg chg="add del mod">
-          <ac:chgData name="dbydd mfrf-" userId="73ebdcb88384168a" providerId="LiveId" clId="{6C34A5EC-40D9-4F4C-AAE7-DDA42FA443E8}" dt="2024-08-18T13:21:28.447" v="1116" actId="478"/>
-          <ac:spMkLst>
-            <pc:docMk/>
-            <pc:sldMk cId="0" sldId="381"/>
-            <ac:spMk id="4" creationId="{7DC141D7-DA93-FF99-1E8D-EE4CB6D09044}"/>
-          </ac:spMkLst>
-        </pc:spChg>
-        <pc:spChg chg="mod">
-          <ac:chgData name="dbydd mfrf-" userId="73ebdcb88384168a" providerId="LiveId" clId="{6C34A5EC-40D9-4F4C-AAE7-DDA42FA443E8}" dt="2024-08-18T09:23:32.728" v="142" actId="20577"/>
-          <ac:spMkLst>
-            <pc:docMk/>
-            <pc:sldMk cId="0" sldId="381"/>
-            <ac:spMk id="6" creationId="{00000000-0000-0000-0000-000000000000}"/>
-          </ac:spMkLst>
-        </pc:spChg>
-        <pc:picChg chg="del">
-          <ac:chgData name="dbydd mfrf-" userId="73ebdcb88384168a" providerId="LiveId" clId="{6C34A5EC-40D9-4F4C-AAE7-DDA42FA443E8}" dt="2024-08-18T13:21:09.257" v="1112" actId="478"/>
-          <ac:picMkLst>
-            <pc:docMk/>
-            <pc:sldMk cId="0" sldId="381"/>
-            <ac:picMk id="5" creationId="{00000000-0000-0000-0000-000000000000}"/>
-          </ac:picMkLst>
-        </pc:picChg>
-        <pc:picChg chg="add mod">
-          <ac:chgData name="dbydd mfrf-" userId="73ebdcb88384168a" providerId="LiveId" clId="{6C34A5EC-40D9-4F4C-AAE7-DDA42FA443E8}" dt="2024-08-18T13:21:16.839" v="1115" actId="14100"/>
-          <ac:picMkLst>
-            <pc:docMk/>
-            <pc:sldMk cId="0" sldId="381"/>
-            <ac:picMk id="3074" creationId="{7F21681B-6F1A-9D26-E05C-9942D7ECCB75}"/>
-          </ac:picMkLst>
-        </pc:picChg>
-      </pc:sldChg>
-      <pc:sldChg chg="addSp delSp modSp mod">
-        <pc:chgData name="dbydd mfrf-" userId="73ebdcb88384168a" providerId="LiveId" clId="{6C34A5EC-40D9-4F4C-AAE7-DDA42FA443E8}" dt="2024-08-19T01:16:12.573" v="3122" actId="20577"/>
-        <pc:sldMkLst>
-          <pc:docMk/>
-          <pc:sldMk cId="0" sldId="382"/>
-        </pc:sldMkLst>
-        <pc:spChg chg="mod">
-          <ac:chgData name="dbydd mfrf-" userId="73ebdcb88384168a" providerId="LiveId" clId="{6C34A5EC-40D9-4F4C-AAE7-DDA42FA443E8}" dt="2024-08-19T01:16:12.573" v="3122" actId="20577"/>
-          <ac:spMkLst>
-            <pc:docMk/>
-            <pc:sldMk cId="0" sldId="382"/>
-            <ac:spMk id="2" creationId="{00000000-0000-0000-0000-000000000000}"/>
-          </ac:spMkLst>
-        </pc:spChg>
-        <pc:spChg chg="add del mod">
-          <ac:chgData name="dbydd mfrf-" userId="73ebdcb88384168a" providerId="LiveId" clId="{6C34A5EC-40D9-4F4C-AAE7-DDA42FA443E8}" dt="2024-08-18T13:22:28.279" v="1121" actId="478"/>
-          <ac:spMkLst>
-            <pc:docMk/>
-            <pc:sldMk cId="0" sldId="382"/>
-            <ac:spMk id="4" creationId="{15658AF6-3F09-8569-0C33-90D9A752DA44}"/>
-          </ac:spMkLst>
-        </pc:spChg>
-        <pc:spChg chg="mod">
-          <ac:chgData name="dbydd mfrf-" userId="73ebdcb88384168a" providerId="LiveId" clId="{6C34A5EC-40D9-4F4C-AAE7-DDA42FA443E8}" dt="2024-08-18T13:22:35.577" v="1127" actId="27636"/>
-          <ac:spMkLst>
-            <pc:docMk/>
-            <pc:sldMk cId="0" sldId="382"/>
-            <ac:spMk id="6" creationId="{00000000-0000-0000-0000-000000000000}"/>
-          </ac:spMkLst>
-        </pc:spChg>
-        <pc:picChg chg="del">
-          <ac:chgData name="dbydd mfrf-" userId="73ebdcb88384168a" providerId="LiveId" clId="{6C34A5EC-40D9-4F4C-AAE7-DDA42FA443E8}" dt="2024-08-18T13:22:15.201" v="1117" actId="478"/>
-          <ac:picMkLst>
-            <pc:docMk/>
-            <pc:sldMk cId="0" sldId="382"/>
-            <ac:picMk id="5" creationId="{00000000-0000-0000-0000-000000000000}"/>
-          </ac:picMkLst>
-        </pc:picChg>
-        <pc:picChg chg="add mod">
-          <ac:chgData name="dbydd mfrf-" userId="73ebdcb88384168a" providerId="LiveId" clId="{6C34A5EC-40D9-4F4C-AAE7-DDA42FA443E8}" dt="2024-08-18T13:22:21.847" v="1120" actId="1076"/>
-          <ac:picMkLst>
-            <pc:docMk/>
-            <pc:sldMk cId="0" sldId="382"/>
-            <ac:picMk id="4098" creationId="{F0C94D3C-08CB-1E51-B750-32262E425074}"/>
-          </ac:picMkLst>
-        </pc:picChg>
-      </pc:sldChg>
-      <pc:sldChg chg="addSp delSp modSp mod">
-        <pc:chgData name="dbydd mfrf-" userId="73ebdcb88384168a" providerId="LiveId" clId="{6C34A5EC-40D9-4F4C-AAE7-DDA42FA443E8}" dt="2024-08-18T14:30:12.597" v="2184" actId="20577"/>
-        <pc:sldMkLst>
-          <pc:docMk/>
-          <pc:sldMk cId="0" sldId="383"/>
-        </pc:sldMkLst>
-        <pc:spChg chg="mod">
-          <ac:chgData name="dbydd mfrf-" userId="73ebdcb88384168a" providerId="LiveId" clId="{6C34A5EC-40D9-4F4C-AAE7-DDA42FA443E8}" dt="2024-08-18T13:19:26.507" v="1109"/>
-          <ac:spMkLst>
-            <pc:docMk/>
-            <pc:sldMk cId="0" sldId="383"/>
-            <ac:spMk id="2" creationId="{00000000-0000-0000-0000-000000000000}"/>
-          </ac:spMkLst>
-        </pc:spChg>
-        <pc:spChg chg="del">
-          <ac:chgData name="dbydd mfrf-" userId="73ebdcb88384168a" providerId="LiveId" clId="{6C34A5EC-40D9-4F4C-AAE7-DDA42FA443E8}" dt="2024-08-16T01:52:42.952" v="0" actId="478"/>
-          <ac:spMkLst>
-            <pc:docMk/>
-            <pc:sldMk cId="0" sldId="383"/>
-            <ac:spMk id="3" creationId="{00000000-0000-0000-0000-000000000000}"/>
-          </ac:spMkLst>
-        </pc:spChg>
-        <pc:spChg chg="add del mod">
-          <ac:chgData name="dbydd mfrf-" userId="73ebdcb88384168a" providerId="LiveId" clId="{6C34A5EC-40D9-4F4C-AAE7-DDA42FA443E8}" dt="2024-08-18T13:24:36.688" v="1137" actId="478"/>
-          <ac:spMkLst>
-            <pc:docMk/>
-            <pc:sldMk cId="0" sldId="383"/>
-            <ac:spMk id="4" creationId="{F52ED87D-AA18-8DF6-C14E-769B993658BA}"/>
-          </ac:spMkLst>
-        </pc:spChg>
-        <pc:spChg chg="add mod">
-          <ac:chgData name="dbydd mfrf-" userId="73ebdcb88384168a" providerId="LiveId" clId="{6C34A5EC-40D9-4F4C-AAE7-DDA42FA443E8}" dt="2024-08-18T14:30:12.597" v="2184" actId="20577"/>
-          <ac:spMkLst>
-            <pc:docMk/>
-            <pc:sldMk cId="0" sldId="383"/>
-            <ac:spMk id="5" creationId="{54D674DD-B6FC-D9A2-BF82-099E5022DED1}"/>
-          </ac:spMkLst>
-        </pc:spChg>
-      </pc:sldChg>
-      <pc:sldChg chg="addSp delSp modSp mod">
-        <pc:chgData name="dbydd mfrf-" userId="73ebdcb88384168a" providerId="LiveId" clId="{6C34A5EC-40D9-4F4C-AAE7-DDA42FA443E8}" dt="2024-08-19T02:19:32.857" v="4004"/>
-        <pc:sldMkLst>
-          <pc:docMk/>
-          <pc:sldMk cId="0" sldId="384"/>
-        </pc:sldMkLst>
-        <pc:spChg chg="mod">
-          <ac:chgData name="dbydd mfrf-" userId="73ebdcb88384168a" providerId="LiveId" clId="{6C34A5EC-40D9-4F4C-AAE7-DDA42FA443E8}" dt="2024-08-19T02:19:32.857" v="4004"/>
-          <ac:spMkLst>
-            <pc:docMk/>
-            <pc:sldMk cId="0" sldId="384"/>
-            <ac:spMk id="2" creationId="{00000000-0000-0000-0000-000000000000}"/>
-          </ac:spMkLst>
-        </pc:spChg>
-        <pc:spChg chg="add del mod">
-          <ac:chgData name="dbydd mfrf-" userId="73ebdcb88384168a" providerId="LiveId" clId="{6C34A5EC-40D9-4F4C-AAE7-DDA42FA443E8}" dt="2024-08-18T13:23:25.722" v="1129" actId="478"/>
-          <ac:spMkLst>
-            <pc:docMk/>
-            <pc:sldMk cId="0" sldId="384"/>
-            <ac:spMk id="4" creationId="{707E841E-155E-16C4-A4BE-F21CDD949E91}"/>
-          </ac:spMkLst>
-        </pc:spChg>
-        <pc:picChg chg="del">
-          <ac:chgData name="dbydd mfrf-" userId="73ebdcb88384168a" providerId="LiveId" clId="{6C34A5EC-40D9-4F4C-AAE7-DDA42FA443E8}" dt="2024-08-18T13:23:23.037" v="1128" actId="478"/>
-          <ac:picMkLst>
-            <pc:docMk/>
-            <pc:sldMk cId="0" sldId="384"/>
-            <ac:picMk id="5" creationId="{00000000-0000-0000-0000-000000000000}"/>
-          </ac:picMkLst>
-        </pc:picChg>
-        <pc:picChg chg="add del">
-          <ac:chgData name="dbydd mfrf-" userId="73ebdcb88384168a" providerId="LiveId" clId="{6C34A5EC-40D9-4F4C-AAE7-DDA42FA443E8}" dt="2024-08-18T13:23:28.217" v="1131" actId="22"/>
-          <ac:picMkLst>
-            <pc:docMk/>
-            <pc:sldMk cId="0" sldId="384"/>
-            <ac:picMk id="8" creationId="{D6A51DB1-FEA0-04A8-26D8-C649A4FA16B3}"/>
-          </ac:picMkLst>
-        </pc:picChg>
-        <pc:picChg chg="add mod">
-          <ac:chgData name="dbydd mfrf-" userId="73ebdcb88384168a" providerId="LiveId" clId="{6C34A5EC-40D9-4F4C-AAE7-DDA42FA443E8}" dt="2024-08-18T13:23:36.937" v="1134" actId="1076"/>
-          <ac:picMkLst>
-            <pc:docMk/>
-            <pc:sldMk cId="0" sldId="384"/>
-            <ac:picMk id="5122" creationId="{2257DA77-0772-67AC-70CB-3FDDCAEAD68F}"/>
-          </ac:picMkLst>
-        </pc:picChg>
-      </pc:sldChg>
-      <pc:sldChg chg="modSp mod">
-        <pc:chgData name="dbydd mfrf-" userId="73ebdcb88384168a" providerId="LiveId" clId="{6C34A5EC-40D9-4F4C-AAE7-DDA42FA443E8}" dt="2024-08-19T02:18:29.789" v="4003" actId="20577"/>
-        <pc:sldMkLst>
-          <pc:docMk/>
-          <pc:sldMk cId="0" sldId="385"/>
-        </pc:sldMkLst>
-        <pc:spChg chg="mod">
-          <ac:chgData name="dbydd mfrf-" userId="73ebdcb88384168a" providerId="LiveId" clId="{6C34A5EC-40D9-4F4C-AAE7-DDA42FA443E8}" dt="2024-08-18T13:19:26.507" v="1109"/>
-          <ac:spMkLst>
-            <pc:docMk/>
-            <pc:sldMk cId="0" sldId="385"/>
-            <ac:spMk id="2" creationId="{00000000-0000-0000-0000-000000000000}"/>
-          </ac:spMkLst>
-        </pc:spChg>
-        <pc:spChg chg="mod">
-          <ac:chgData name="dbydd mfrf-" userId="73ebdcb88384168a" providerId="LiveId" clId="{6C34A5EC-40D9-4F4C-AAE7-DDA42FA443E8}" dt="2024-08-19T02:18:29.789" v="4003" actId="20577"/>
-          <ac:spMkLst>
-            <pc:docMk/>
-            <pc:sldMk cId="0" sldId="385"/>
-            <ac:spMk id="6" creationId="{00000000-0000-0000-0000-000000000000}"/>
-          </ac:spMkLst>
-        </pc:spChg>
-      </pc:sldChg>
-      <pc:sldChg chg="modSp del mod">
-        <pc:chgData name="dbydd mfrf-" userId="73ebdcb88384168a" providerId="LiveId" clId="{6C34A5EC-40D9-4F4C-AAE7-DDA42FA443E8}" dt="2024-08-18T11:56:19.096" v="673" actId="47"/>
-        <pc:sldMkLst>
-          <pc:docMk/>
-          <pc:sldMk cId="0" sldId="386"/>
-        </pc:sldMkLst>
-        <pc:picChg chg="mod">
-          <ac:chgData name="dbydd mfrf-" userId="73ebdcb88384168a" providerId="LiveId" clId="{6C34A5EC-40D9-4F4C-AAE7-DDA42FA443E8}" dt="2024-08-18T02:51:34.384" v="124" actId="1076"/>
-          <ac:picMkLst>
-            <pc:docMk/>
-            <pc:sldMk cId="0" sldId="386"/>
-            <ac:picMk id="4" creationId="{00000000-0000-0000-0000-000000000000}"/>
-          </ac:picMkLst>
-        </pc:picChg>
-      </pc:sldChg>
-      <pc:sldChg chg="del">
-        <pc:chgData name="dbydd mfrf-" userId="73ebdcb88384168a" providerId="LiveId" clId="{6C34A5EC-40D9-4F4C-AAE7-DDA42FA443E8}" dt="2024-08-18T11:56:19.096" v="673" actId="47"/>
-        <pc:sldMkLst>
-          <pc:docMk/>
-          <pc:sldMk cId="0" sldId="387"/>
-        </pc:sldMkLst>
-      </pc:sldChg>
-      <pc:sldChg chg="del">
-        <pc:chgData name="dbydd mfrf-" userId="73ebdcb88384168a" providerId="LiveId" clId="{6C34A5EC-40D9-4F4C-AAE7-DDA42FA443E8}" dt="2024-08-18T11:56:19.096" v="673" actId="47"/>
-        <pc:sldMkLst>
-          <pc:docMk/>
-          <pc:sldMk cId="0" sldId="388"/>
-        </pc:sldMkLst>
-      </pc:sldChg>
-      <pc:sldChg chg="del">
-        <pc:chgData name="dbydd mfrf-" userId="73ebdcb88384168a" providerId="LiveId" clId="{6C34A5EC-40D9-4F4C-AAE7-DDA42FA443E8}" dt="2024-08-18T11:56:23.271" v="674" actId="47"/>
-        <pc:sldMkLst>
-          <pc:docMk/>
-          <pc:sldMk cId="0" sldId="389"/>
-        </pc:sldMkLst>
-      </pc:sldChg>
-      <pc:sldChg chg="del">
-        <pc:chgData name="dbydd mfrf-" userId="73ebdcb88384168a" providerId="LiveId" clId="{6C34A5EC-40D9-4F4C-AAE7-DDA42FA443E8}" dt="2024-08-18T11:56:23.271" v="674" actId="47"/>
-        <pc:sldMkLst>
-          <pc:docMk/>
-          <pc:sldMk cId="0" sldId="390"/>
-        </pc:sldMkLst>
-      </pc:sldChg>
-      <pc:sldChg chg="del">
-        <pc:chgData name="dbydd mfrf-" userId="73ebdcb88384168a" providerId="LiveId" clId="{6C34A5EC-40D9-4F4C-AAE7-DDA42FA443E8}" dt="2024-08-18T11:56:26.329" v="675" actId="47"/>
-        <pc:sldMkLst>
-          <pc:docMk/>
-          <pc:sldMk cId="0" sldId="391"/>
-        </pc:sldMkLst>
-      </pc:sldChg>
-      <pc:sldChg chg="del">
-        <pc:chgData name="dbydd mfrf-" userId="73ebdcb88384168a" providerId="LiveId" clId="{6C34A5EC-40D9-4F4C-AAE7-DDA42FA443E8}" dt="2024-08-18T11:56:23.271" v="674" actId="47"/>
-        <pc:sldMkLst>
-          <pc:docMk/>
-          <pc:sldMk cId="0" sldId="392"/>
-        </pc:sldMkLst>
-      </pc:sldChg>
-      <pc:sldChg chg="del">
-        <pc:chgData name="dbydd mfrf-" userId="73ebdcb88384168a" providerId="LiveId" clId="{6C34A5EC-40D9-4F4C-AAE7-DDA42FA443E8}" dt="2024-08-18T11:56:23.271" v="674" actId="47"/>
-        <pc:sldMkLst>
-          <pc:docMk/>
-          <pc:sldMk cId="0" sldId="393"/>
-        </pc:sldMkLst>
-      </pc:sldChg>
-      <pc:sldChg chg="del">
-        <pc:chgData name="dbydd mfrf-" userId="73ebdcb88384168a" providerId="LiveId" clId="{6C34A5EC-40D9-4F4C-AAE7-DDA42FA443E8}" dt="2024-08-18T11:56:26.329" v="675" actId="47"/>
-        <pc:sldMkLst>
-          <pc:docMk/>
-          <pc:sldMk cId="0" sldId="394"/>
-        </pc:sldMkLst>
-      </pc:sldChg>
-      <pc:sldChg chg="del">
-        <pc:chgData name="dbydd mfrf-" userId="73ebdcb88384168a" providerId="LiveId" clId="{6C34A5EC-40D9-4F4C-AAE7-DDA42FA443E8}" dt="2024-08-18T11:56:28.941" v="676" actId="47"/>
-        <pc:sldMkLst>
-          <pc:docMk/>
-          <pc:sldMk cId="0" sldId="395"/>
-        </pc:sldMkLst>
-      </pc:sldChg>
-      <pc:sldChg chg="del">
-        <pc:chgData name="dbydd mfrf-" userId="73ebdcb88384168a" providerId="LiveId" clId="{6C34A5EC-40D9-4F4C-AAE7-DDA42FA443E8}" dt="2024-08-18T11:56:28.941" v="676" actId="47"/>
-        <pc:sldMkLst>
-          <pc:docMk/>
-          <pc:sldMk cId="0" sldId="396"/>
-        </pc:sldMkLst>
-      </pc:sldChg>
-      <pc:sldChg chg="addSp delSp modSp mod">
-        <pc:chgData name="dbydd mfrf-" userId="73ebdcb88384168a" providerId="LiveId" clId="{6C34A5EC-40D9-4F4C-AAE7-DDA42FA443E8}" dt="2024-08-18T13:30:21.730" v="1291" actId="478"/>
-        <pc:sldMkLst>
-          <pc:docMk/>
-          <pc:sldMk cId="0" sldId="397"/>
-        </pc:sldMkLst>
-        <pc:spChg chg="mod">
-          <ac:chgData name="dbydd mfrf-" userId="73ebdcb88384168a" providerId="LiveId" clId="{6C34A5EC-40D9-4F4C-AAE7-DDA42FA443E8}" dt="2024-08-18T13:19:26.507" v="1109"/>
-          <ac:spMkLst>
-            <pc:docMk/>
-            <pc:sldMk cId="0" sldId="397"/>
-            <ac:spMk id="2" creationId="{00000000-0000-0000-0000-000000000000}"/>
-          </ac:spMkLst>
-        </pc:spChg>
-        <pc:spChg chg="add del mod">
-          <ac:chgData name="dbydd mfrf-" userId="73ebdcb88384168a" providerId="LiveId" clId="{6C34A5EC-40D9-4F4C-AAE7-DDA42FA443E8}" dt="2024-08-18T13:30:21.730" v="1291" actId="478"/>
-          <ac:spMkLst>
-            <pc:docMk/>
-            <pc:sldMk cId="0" sldId="397"/>
-            <ac:spMk id="4" creationId="{CF3AB1E5-BD8A-573F-8D8D-EC8A7818D157}"/>
-          </ac:spMkLst>
-        </pc:spChg>
-        <pc:picChg chg="del">
-          <ac:chgData name="dbydd mfrf-" userId="73ebdcb88384168a" providerId="LiveId" clId="{6C34A5EC-40D9-4F4C-AAE7-DDA42FA443E8}" dt="2024-08-18T13:30:12.097" v="1284" actId="478"/>
-          <ac:picMkLst>
-            <pc:docMk/>
-            <pc:sldMk cId="0" sldId="397"/>
-            <ac:picMk id="5" creationId="{00000000-0000-0000-0000-000000000000}"/>
-          </ac:picMkLst>
-        </pc:picChg>
-        <pc:picChg chg="add mod">
-          <ac:chgData name="dbydd mfrf-" userId="73ebdcb88384168a" providerId="LiveId" clId="{6C34A5EC-40D9-4F4C-AAE7-DDA42FA443E8}" dt="2024-08-18T13:30:19.299" v="1289" actId="1076"/>
-          <ac:picMkLst>
-            <pc:docMk/>
-            <pc:sldMk cId="0" sldId="397"/>
-            <ac:picMk id="6146" creationId="{7A2FC409-93E6-89C8-0FCB-C779D07DFDE3}"/>
-          </ac:picMkLst>
-        </pc:picChg>
-      </pc:sldChg>
-      <pc:sldChg chg="addSp delSp modSp mod">
-        <pc:chgData name="dbydd mfrf-" userId="73ebdcb88384168a" providerId="LiveId" clId="{6C34A5EC-40D9-4F4C-AAE7-DDA42FA443E8}" dt="2024-08-19T01:21:41.802" v="3135" actId="20577"/>
-        <pc:sldMkLst>
-          <pc:docMk/>
-          <pc:sldMk cId="0" sldId="398"/>
-        </pc:sldMkLst>
-        <pc:spChg chg="mod">
-          <ac:chgData name="dbydd mfrf-" userId="73ebdcb88384168a" providerId="LiveId" clId="{6C34A5EC-40D9-4F4C-AAE7-DDA42FA443E8}" dt="2024-08-18T13:19:26.507" v="1109"/>
-          <ac:spMkLst>
-            <pc:docMk/>
-            <pc:sldMk cId="0" sldId="398"/>
-            <ac:spMk id="2" creationId="{00000000-0000-0000-0000-000000000000}"/>
-          </ac:spMkLst>
-        </pc:spChg>
-        <pc:spChg chg="add del mod">
-          <ac:chgData name="dbydd mfrf-" userId="73ebdcb88384168a" providerId="LiveId" clId="{6C34A5EC-40D9-4F4C-AAE7-DDA42FA443E8}" dt="2024-08-18T13:31:04.337" v="1296" actId="478"/>
-          <ac:spMkLst>
-            <pc:docMk/>
-            <pc:sldMk cId="0" sldId="398"/>
-            <ac:spMk id="4" creationId="{DD0E1C6E-3853-49A4-9B0F-A7A392F9B685}"/>
-          </ac:spMkLst>
-        </pc:spChg>
-        <pc:spChg chg="mod">
-          <ac:chgData name="dbydd mfrf-" userId="73ebdcb88384168a" providerId="LiveId" clId="{6C34A5EC-40D9-4F4C-AAE7-DDA42FA443E8}" dt="2024-08-19T01:21:41.802" v="3135" actId="20577"/>
-          <ac:spMkLst>
-            <pc:docMk/>
-            <pc:sldMk cId="0" sldId="398"/>
-            <ac:spMk id="6" creationId="{00000000-0000-0000-0000-000000000000}"/>
-          </ac:spMkLst>
-        </pc:spChg>
-        <pc:picChg chg="del">
-          <ac:chgData name="dbydd mfrf-" userId="73ebdcb88384168a" providerId="LiveId" clId="{6C34A5EC-40D9-4F4C-AAE7-DDA42FA443E8}" dt="2024-08-18T13:30:46.497" v="1292" actId="478"/>
-          <ac:picMkLst>
-            <pc:docMk/>
-            <pc:sldMk cId="0" sldId="398"/>
-            <ac:picMk id="5" creationId="{00000000-0000-0000-0000-000000000000}"/>
-          </ac:picMkLst>
-        </pc:picChg>
-        <pc:picChg chg="add mod">
-          <ac:chgData name="dbydd mfrf-" userId="73ebdcb88384168a" providerId="LiveId" clId="{6C34A5EC-40D9-4F4C-AAE7-DDA42FA443E8}" dt="2024-08-18T13:30:51.147" v="1295" actId="14100"/>
-          <ac:picMkLst>
-            <pc:docMk/>
-            <pc:sldMk cId="0" sldId="398"/>
-            <ac:picMk id="7170" creationId="{42604460-3B6B-9005-9037-EC692A6FA39E}"/>
-          </ac:picMkLst>
-        </pc:picChg>
-      </pc:sldChg>
-      <pc:sldChg chg="add del">
-        <pc:chgData name="dbydd mfrf-" userId="73ebdcb88384168a" providerId="LiveId" clId="{6C34A5EC-40D9-4F4C-AAE7-DDA42FA443E8}" dt="2024-08-18T14:18:23.278" v="1336" actId="47"/>
-        <pc:sldMkLst>
-          <pc:docMk/>
-          <pc:sldMk cId="385600523" sldId="399"/>
-        </pc:sldMkLst>
-      </pc:sldChg>
-      <pc:sldChg chg="addSp delSp modSp add del mod">
-        <pc:chgData name="dbydd mfrf-" userId="73ebdcb88384168a" providerId="LiveId" clId="{6C34A5EC-40D9-4F4C-AAE7-DDA42FA443E8}" dt="2024-08-18T11:45:58.055" v="656" actId="2696"/>
-        <pc:sldMkLst>
-          <pc:docMk/>
-          <pc:sldMk cId="3951317913" sldId="399"/>
-        </pc:sldMkLst>
-        <pc:spChg chg="mod">
-          <ac:chgData name="dbydd mfrf-" userId="73ebdcb88384168a" providerId="LiveId" clId="{6C34A5EC-40D9-4F4C-AAE7-DDA42FA443E8}" dt="2024-08-16T01:54:37.965" v="47" actId="20577"/>
-          <ac:spMkLst>
-            <pc:docMk/>
-            <pc:sldMk cId="3951317913" sldId="399"/>
-            <ac:spMk id="10" creationId="{00000000-0000-0000-0000-000000000000}"/>
-          </ac:spMkLst>
-        </pc:spChg>
-        <pc:picChg chg="add mod">
-          <ac:chgData name="dbydd mfrf-" userId="73ebdcb88384168a" providerId="LiveId" clId="{6C34A5EC-40D9-4F4C-AAE7-DDA42FA443E8}" dt="2024-08-16T01:54:06.772" v="8"/>
-          <ac:picMkLst>
-            <pc:docMk/>
-            <pc:sldMk cId="3951317913" sldId="399"/>
-            <ac:picMk id="2" creationId="{EF378BBB-2F1D-1018-2F1F-243D8EAEC2D1}"/>
-          </ac:picMkLst>
-        </pc:picChg>
-        <pc:picChg chg="del">
-          <ac:chgData name="dbydd mfrf-" userId="73ebdcb88384168a" providerId="LiveId" clId="{6C34A5EC-40D9-4F4C-AAE7-DDA42FA443E8}" dt="2024-08-16T01:53:54.706" v="3" actId="478"/>
-          <ac:picMkLst>
-            <pc:docMk/>
-            <pc:sldMk cId="3951317913" sldId="399"/>
-            <ac:picMk id="3" creationId="{00000000-0000-0000-0000-000000000000}"/>
-          </ac:picMkLst>
-        </pc:picChg>
-        <pc:picChg chg="add mod">
-          <ac:chgData name="dbydd mfrf-" userId="73ebdcb88384168a" providerId="LiveId" clId="{6C34A5EC-40D9-4F4C-AAE7-DDA42FA443E8}" dt="2024-08-16T01:54:06.596" v="7" actId="1076"/>
-          <ac:picMkLst>
-            <pc:docMk/>
-            <pc:sldMk cId="3951317913" sldId="399"/>
-            <ac:picMk id="4" creationId="{EE518E1E-CB8B-9CB9-6419-80A350D26B07}"/>
-          </ac:picMkLst>
-        </pc:picChg>
-        <pc:picChg chg="add mod">
-          <ac:chgData name="dbydd mfrf-" userId="73ebdcb88384168a" providerId="LiveId" clId="{6C34A5EC-40D9-4F4C-AAE7-DDA42FA443E8}" dt="2024-08-16T01:54:06.596" v="7" actId="1076"/>
-          <ac:picMkLst>
-            <pc:docMk/>
-            <pc:sldMk cId="3951317913" sldId="399"/>
-            <ac:picMk id="5" creationId="{E6F8C5B3-CE43-2733-B46F-792ED96C4B53}"/>
-          </ac:picMkLst>
-        </pc:picChg>
-        <pc:picChg chg="del">
-          <ac:chgData name="dbydd mfrf-" userId="73ebdcb88384168a" providerId="LiveId" clId="{6C34A5EC-40D9-4F4C-AAE7-DDA42FA443E8}" dt="2024-08-16T01:53:56.281" v="4" actId="478"/>
-          <ac:picMkLst>
-            <pc:docMk/>
-            <pc:sldMk cId="3951317913" sldId="399"/>
-            <ac:picMk id="6" creationId="{00000000-0000-0000-0000-000000000000}"/>
-          </ac:picMkLst>
-        </pc:picChg>
-        <pc:picChg chg="add mod">
-          <ac:chgData name="dbydd mfrf-" userId="73ebdcb88384168a" providerId="LiveId" clId="{6C34A5EC-40D9-4F4C-AAE7-DDA42FA443E8}" dt="2024-08-16T01:54:23.615" v="17" actId="1076"/>
-          <ac:picMkLst>
-            <pc:docMk/>
-            <pc:sldMk cId="3951317913" sldId="399"/>
-            <ac:picMk id="7" creationId="{236302C4-24DE-B30D-161C-6607CFCC3F02}"/>
-          </ac:picMkLst>
-        </pc:picChg>
-        <pc:picChg chg="add mod">
-          <ac:chgData name="dbydd mfrf-" userId="73ebdcb88384168a" providerId="LiveId" clId="{6C34A5EC-40D9-4F4C-AAE7-DDA42FA443E8}" dt="2024-08-16T01:54:22.373" v="16" actId="14100"/>
-          <ac:picMkLst>
-            <pc:docMk/>
-            <pc:sldMk cId="3951317913" sldId="399"/>
-            <ac:picMk id="8" creationId="{654B7F57-B213-7D32-CB5B-7BB239D000A8}"/>
-          </ac:picMkLst>
-        </pc:picChg>
-        <pc:picChg chg="add mod">
-          <ac:chgData name="dbydd mfrf-" userId="73ebdcb88384168a" providerId="LiveId" clId="{6C34A5EC-40D9-4F4C-AAE7-DDA42FA443E8}" dt="2024-08-16T01:54:26.979" v="18" actId="1076"/>
-          <ac:picMkLst>
-            <pc:docMk/>
-            <pc:sldMk cId="3951317913" sldId="399"/>
-            <ac:picMk id="9" creationId="{C3A71CAC-2BD0-5EA4-E8B0-824C36A511BC}"/>
-          </ac:picMkLst>
-        </pc:picChg>
-      </pc:sldChg>
-      <pc:sldChg chg="modSp new mod modNotesTx">
-        <pc:chgData name="dbydd mfrf-" userId="73ebdcb88384168a" providerId="LiveId" clId="{6C34A5EC-40D9-4F4C-AAE7-DDA42FA443E8}" dt="2024-08-19T01:42:54.959" v="3920" actId="20577"/>
-        <pc:sldMkLst>
-          <pc:docMk/>
-          <pc:sldMk cId="4139058414" sldId="400"/>
-        </pc:sldMkLst>
-        <pc:spChg chg="mod">
-          <ac:chgData name="dbydd mfrf-" userId="73ebdcb88384168a" providerId="LiveId" clId="{6C34A5EC-40D9-4F4C-AAE7-DDA42FA443E8}" dt="2024-08-18T14:29:32.266" v="2152" actId="20577"/>
-          <ac:spMkLst>
-            <pc:docMk/>
-            <pc:sldMk cId="4139058414" sldId="400"/>
-            <ac:spMk id="2" creationId="{A834D312-5EE4-C365-CCD6-9B62392D869A}"/>
-          </ac:spMkLst>
-        </pc:spChg>
-        <pc:spChg chg="mod">
-          <ac:chgData name="dbydd mfrf-" userId="73ebdcb88384168a" providerId="LiveId" clId="{6C34A5EC-40D9-4F4C-AAE7-DDA42FA443E8}" dt="2024-08-19T01:24:24.819" v="3151" actId="27636"/>
-          <ac:spMkLst>
-            <pc:docMk/>
-            <pc:sldMk cId="4139058414" sldId="400"/>
-            <ac:spMk id="3" creationId="{8943CE56-E608-0DAD-F06C-7B7E2DAA6565}"/>
-          </ac:spMkLst>
-        </pc:spChg>
-      </pc:sldChg>
-      <pc:sldChg chg="addSp delSp modSp new mod modNotesTx">
-        <pc:chgData name="dbydd mfrf-" userId="73ebdcb88384168a" providerId="LiveId" clId="{6C34A5EC-40D9-4F4C-AAE7-DDA42FA443E8}" dt="2024-08-19T01:43:11.328" v="4002" actId="20577"/>
-        <pc:sldMkLst>
-          <pc:docMk/>
-          <pc:sldMk cId="466330435" sldId="401"/>
-        </pc:sldMkLst>
-        <pc:spChg chg="del mod">
-          <ac:chgData name="dbydd mfrf-" userId="73ebdcb88384168a" providerId="LiveId" clId="{6C34A5EC-40D9-4F4C-AAE7-DDA42FA443E8}" dt="2024-08-18T14:29:37.422" v="2153" actId="478"/>
-          <ac:spMkLst>
-            <pc:docMk/>
-            <pc:sldMk cId="466330435" sldId="401"/>
-            <ac:spMk id="2" creationId="{685B5FDB-2F8B-5B78-E00F-49C17E19C0D2}"/>
-          </ac:spMkLst>
-        </pc:spChg>
-        <pc:spChg chg="mod">
-          <ac:chgData name="dbydd mfrf-" userId="73ebdcb88384168a" providerId="LiveId" clId="{6C34A5EC-40D9-4F4C-AAE7-DDA42FA443E8}" dt="2024-08-18T14:37:53.373" v="2623" actId="13926"/>
-          <ac:spMkLst>
-            <pc:docMk/>
-            <pc:sldMk cId="466330435" sldId="401"/>
-            <ac:spMk id="3" creationId="{7576A7BD-429F-E25F-2BAE-61522949E2F6}"/>
-          </ac:spMkLst>
-        </pc:spChg>
-        <pc:spChg chg="add del mod">
-          <ac:chgData name="dbydd mfrf-" userId="73ebdcb88384168a" providerId="LiveId" clId="{6C34A5EC-40D9-4F4C-AAE7-DDA42FA443E8}" dt="2024-08-18T14:29:40.905" v="2155" actId="478"/>
-          <ac:spMkLst>
-            <pc:docMk/>
-            <pc:sldMk cId="466330435" sldId="401"/>
-            <ac:spMk id="5" creationId="{13015AA4-5CE8-8D29-2C36-E2114A744615}"/>
-          </ac:spMkLst>
-        </pc:spChg>
-        <pc:spChg chg="add mod">
-          <ac:chgData name="dbydd mfrf-" userId="73ebdcb88384168a" providerId="LiveId" clId="{6C34A5EC-40D9-4F4C-AAE7-DDA42FA443E8}" dt="2024-08-18T14:29:45.681" v="2165" actId="20577"/>
-          <ac:spMkLst>
-            <pc:docMk/>
-            <pc:sldMk cId="466330435" sldId="401"/>
-            <ac:spMk id="6" creationId="{639F5A4E-2B84-5DB8-0212-E231190E23FD}"/>
-          </ac:spMkLst>
-        </pc:spChg>
-        <pc:picChg chg="add mod">
-          <ac:chgData name="dbydd mfrf-" userId="73ebdcb88384168a" providerId="LiveId" clId="{6C34A5EC-40D9-4F4C-AAE7-DDA42FA443E8}" dt="2024-08-18T14:22:25.869" v="1638" actId="1076"/>
-          <ac:picMkLst>
-            <pc:docMk/>
-            <pc:sldMk cId="466330435" sldId="401"/>
-            <ac:picMk id="9218" creationId="{9EFCA99B-9D55-2FD9-A901-E30075303CF6}"/>
-          </ac:picMkLst>
-        </pc:picChg>
-      </pc:sldChg>
-      <pc:sldChg chg="modSp new del mod">
-        <pc:chgData name="dbydd mfrf-" userId="73ebdcb88384168a" providerId="LiveId" clId="{6C34A5EC-40D9-4F4C-AAE7-DDA42FA443E8}" dt="2024-08-18T11:34:18.799" v="568" actId="47"/>
-        <pc:sldMkLst>
-          <pc:docMk/>
-          <pc:sldMk cId="174697244" sldId="402"/>
-        </pc:sldMkLst>
-        <pc:spChg chg="mod">
-          <ac:chgData name="dbydd mfrf-" userId="73ebdcb88384168a" providerId="LiveId" clId="{6C34A5EC-40D9-4F4C-AAE7-DDA42FA443E8}" dt="2024-08-18T11:34:13.270" v="566" actId="20577"/>
-          <ac:spMkLst>
-            <pc:docMk/>
-            <pc:sldMk cId="174697244" sldId="402"/>
-            <ac:spMk id="2" creationId="{0D9BF59A-1912-75B9-1967-280EBF8C8128}"/>
-          </ac:spMkLst>
-        </pc:spChg>
-      </pc:sldChg>
-      <pc:sldChg chg="modSp add del mod ord setBg">
-        <pc:chgData name="dbydd mfrf-" userId="73ebdcb88384168a" providerId="LiveId" clId="{6C34A5EC-40D9-4F4C-AAE7-DDA42FA443E8}" dt="2024-08-18T14:29:53.201" v="2167" actId="47"/>
-        <pc:sldMkLst>
-          <pc:docMk/>
-          <pc:sldMk cId="937331939" sldId="403"/>
-        </pc:sldMkLst>
-        <pc:spChg chg="mod">
-          <ac:chgData name="dbydd mfrf-" userId="73ebdcb88384168a" providerId="LiveId" clId="{6C34A5EC-40D9-4F4C-AAE7-DDA42FA443E8}" dt="2024-08-18T13:19:26.507" v="1109"/>
-          <ac:spMkLst>
-            <pc:docMk/>
-            <pc:sldMk cId="937331939" sldId="403"/>
-            <ac:spMk id="7" creationId="{00000000-0000-0000-0000-000000000000}"/>
-          </ac:spMkLst>
-        </pc:spChg>
-        <pc:spChg chg="mod">
-          <ac:chgData name="dbydd mfrf-" userId="73ebdcb88384168a" providerId="LiveId" clId="{6C34A5EC-40D9-4F4C-AAE7-DDA42FA443E8}" dt="2024-08-18T13:19:26.507" v="1109"/>
-          <ac:spMkLst>
-            <pc:docMk/>
-            <pc:sldMk cId="937331939" sldId="403"/>
-            <ac:spMk id="31" creationId="{00000000-0000-0000-0000-000000000000}"/>
-          </ac:spMkLst>
-        </pc:spChg>
-      </pc:sldChg>
-      <pc:sldChg chg="addSp delSp modSp new del mod">
-        <pc:chgData name="dbydd mfrf-" userId="73ebdcb88384168a" providerId="LiveId" clId="{6C34A5EC-40D9-4F4C-AAE7-DDA42FA443E8}" dt="2024-08-18T13:11:48.917" v="921" actId="47"/>
-        <pc:sldMkLst>
-          <pc:docMk/>
-          <pc:sldMk cId="3804878898" sldId="404"/>
-        </pc:sldMkLst>
-        <pc:spChg chg="del">
-          <ac:chgData name="dbydd mfrf-" userId="73ebdcb88384168a" providerId="LiveId" clId="{6C34A5EC-40D9-4F4C-AAE7-DDA42FA443E8}" dt="2024-08-18T11:50:25.050" v="664" actId="478"/>
-          <ac:spMkLst>
-            <pc:docMk/>
-            <pc:sldMk cId="3804878898" sldId="404"/>
-            <ac:spMk id="2" creationId="{8E0ED876-27C8-0034-92F6-656337CFAE9C}"/>
-          </ac:spMkLst>
-        </pc:spChg>
-        <pc:spChg chg="del">
-          <ac:chgData name="dbydd mfrf-" userId="73ebdcb88384168a" providerId="LiveId" clId="{6C34A5EC-40D9-4F4C-AAE7-DDA42FA443E8}" dt="2024-08-18T11:50:23.381" v="662" actId="478"/>
-          <ac:spMkLst>
-            <pc:docMk/>
-            <pc:sldMk cId="3804878898" sldId="404"/>
-            <ac:spMk id="3" creationId="{472F0D98-12C0-71AF-B4A1-C4659EB927B3}"/>
-          </ac:spMkLst>
-        </pc:spChg>
-        <pc:spChg chg="del">
-          <ac:chgData name="dbydd mfrf-" userId="73ebdcb88384168a" providerId="LiveId" clId="{6C34A5EC-40D9-4F4C-AAE7-DDA42FA443E8}" dt="2024-08-18T11:50:24.417" v="663" actId="478"/>
-          <ac:spMkLst>
-            <pc:docMk/>
-            <pc:sldMk cId="3804878898" sldId="404"/>
-            <ac:spMk id="4" creationId="{60E1DBB4-24A4-3F12-75D0-82270057A3B2}"/>
-          </ac:spMkLst>
-        </pc:spChg>
-        <pc:picChg chg="add del mod">
-          <ac:chgData name="dbydd mfrf-" userId="73ebdcb88384168a" providerId="LiveId" clId="{6C34A5EC-40D9-4F4C-AAE7-DDA42FA443E8}" dt="2024-08-18T13:11:47.078" v="920" actId="478"/>
-          <ac:picMkLst>
-            <pc:docMk/>
-            <pc:sldMk cId="3804878898" sldId="404"/>
-            <ac:picMk id="10" creationId="{00000000-0000-0000-0000-000000000000}"/>
-          </ac:picMkLst>
-        </pc:picChg>
-      </pc:sldChg>
-      <pc:sldChg chg="modSp add del mod setBg">
-        <pc:chgData name="dbydd mfrf-" userId="73ebdcb88384168a" providerId="LiveId" clId="{6C34A5EC-40D9-4F4C-AAE7-DDA42FA443E8}" dt="2024-08-18T14:30:01.213" v="2168" actId="47"/>
-        <pc:sldMkLst>
-          <pc:docMk/>
-          <pc:sldMk cId="2515080656" sldId="405"/>
-        </pc:sldMkLst>
-        <pc:spChg chg="mod">
-          <ac:chgData name="dbydd mfrf-" userId="73ebdcb88384168a" providerId="LiveId" clId="{6C34A5EC-40D9-4F4C-AAE7-DDA42FA443E8}" dt="2024-08-18T13:19:26.507" v="1109"/>
-          <ac:spMkLst>
-            <pc:docMk/>
-            <pc:sldMk cId="2515080656" sldId="405"/>
-            <ac:spMk id="7" creationId="{00000000-0000-0000-0000-000000000000}"/>
-          </ac:spMkLst>
-        </pc:spChg>
-        <pc:spChg chg="mod">
-          <ac:chgData name="dbydd mfrf-" userId="73ebdcb88384168a" providerId="LiveId" clId="{6C34A5EC-40D9-4F4C-AAE7-DDA42FA443E8}" dt="2024-08-18T13:19:26.507" v="1109"/>
-          <ac:spMkLst>
-            <pc:docMk/>
-            <pc:sldMk cId="2515080656" sldId="405"/>
-            <ac:spMk id="31" creationId="{00000000-0000-0000-0000-000000000000}"/>
-          </ac:spMkLst>
-        </pc:spChg>
-      </pc:sldChg>
-      <pc:sldChg chg="addSp delSp modSp new mod ord">
-        <pc:chgData name="dbydd mfrf-" userId="73ebdcb88384168a" providerId="LiveId" clId="{6C34A5EC-40D9-4F4C-AAE7-DDA42FA443E8}" dt="2024-08-18T14:31:15.620" v="2209"/>
-        <pc:sldMkLst>
-          <pc:docMk/>
-          <pc:sldMk cId="962699984" sldId="406"/>
-        </pc:sldMkLst>
-        <pc:spChg chg="mod">
-          <ac:chgData name="dbydd mfrf-" userId="73ebdcb88384168a" providerId="LiveId" clId="{6C34A5EC-40D9-4F4C-AAE7-DDA42FA443E8}" dt="2024-08-18T13:19:26.507" v="1109"/>
-          <ac:spMkLst>
-            <pc:docMk/>
-            <pc:sldMk cId="962699984" sldId="406"/>
-            <ac:spMk id="2" creationId="{DB969A6D-E324-789C-CBA9-9891C6AB55C6}"/>
-          </ac:spMkLst>
-        </pc:spChg>
-        <pc:spChg chg="del mod">
-          <ac:chgData name="dbydd mfrf-" userId="73ebdcb88384168a" providerId="LiveId" clId="{6C34A5EC-40D9-4F4C-AAE7-DDA42FA443E8}" dt="2024-08-18T14:25:03.768" v="1710" actId="478"/>
-          <ac:spMkLst>
-            <pc:docMk/>
-            <pc:sldMk cId="962699984" sldId="406"/>
-            <ac:spMk id="3" creationId="{BC816206-C87E-DFCC-3D92-40EF83CF79A3}"/>
-          </ac:spMkLst>
-        </pc:spChg>
-        <pc:spChg chg="del mod">
-          <ac:chgData name="dbydd mfrf-" userId="73ebdcb88384168a" providerId="LiveId" clId="{6C34A5EC-40D9-4F4C-AAE7-DDA42FA443E8}" dt="2024-08-18T14:25:04.669" v="1711" actId="478"/>
-          <ac:spMkLst>
-            <pc:docMk/>
-            <pc:sldMk cId="962699984" sldId="406"/>
-            <ac:spMk id="4" creationId="{B71AF814-80CB-0B63-0430-80CD804A324A}"/>
-          </ac:spMkLst>
-        </pc:spChg>
-        <pc:spChg chg="mod">
-          <ac:chgData name="dbydd mfrf-" userId="73ebdcb88384168a" providerId="LiveId" clId="{6C34A5EC-40D9-4F4C-AAE7-DDA42FA443E8}" dt="2024-08-18T13:19:26.507" v="1109"/>
-          <ac:spMkLst>
-            <pc:docMk/>
-            <pc:sldMk cId="962699984" sldId="406"/>
-            <ac:spMk id="5" creationId="{885DB81B-5C7B-58D3-0038-4958213F9845}"/>
-          </ac:spMkLst>
-        </pc:spChg>
-        <pc:spChg chg="add mod">
-          <ac:chgData name="dbydd mfrf-" userId="73ebdcb88384168a" providerId="LiveId" clId="{6C34A5EC-40D9-4F4C-AAE7-DDA42FA443E8}" dt="2024-08-18T14:27:31.932" v="2075" actId="14"/>
-          <ac:spMkLst>
-            <pc:docMk/>
-            <pc:sldMk cId="962699984" sldId="406"/>
-            <ac:spMk id="7" creationId="{1BB7163D-1BFC-8C57-23CC-409D6E5B17C5}"/>
-          </ac:spMkLst>
-        </pc:spChg>
-      </pc:sldChg>
-      <pc:sldChg chg="addSp delSp modSp add mod">
-        <pc:chgData name="dbydd mfrf-" userId="73ebdcb88384168a" providerId="LiveId" clId="{6C34A5EC-40D9-4F4C-AAE7-DDA42FA443E8}" dt="2024-08-19T01:12:05.340" v="3117" actId="20577"/>
-        <pc:sldMkLst>
-          <pc:docMk/>
-          <pc:sldMk cId="761656711" sldId="407"/>
-        </pc:sldMkLst>
-        <pc:spChg chg="mod">
-          <ac:chgData name="dbydd mfrf-" userId="73ebdcb88384168a" providerId="LiveId" clId="{6C34A5EC-40D9-4F4C-AAE7-DDA42FA443E8}" dt="2024-08-18T13:19:26.507" v="1109"/>
-          <ac:spMkLst>
-            <pc:docMk/>
-            <pc:sldMk cId="761656711" sldId="407"/>
-            <ac:spMk id="2" creationId="{00000000-0000-0000-0000-000000000000}"/>
-          </ac:spMkLst>
-        </pc:spChg>
-        <pc:spChg chg="add del mod">
-          <ac:chgData name="dbydd mfrf-" userId="73ebdcb88384168a" providerId="LiveId" clId="{6C34A5EC-40D9-4F4C-AAE7-DDA42FA443E8}" dt="2024-08-18T13:16:32.791" v="945" actId="478"/>
-          <ac:spMkLst>
-            <pc:docMk/>
-            <pc:sldMk cId="761656711" sldId="407"/>
-            <ac:spMk id="4" creationId="{A36F1D6B-87AE-A6B6-CD13-CF1CF9C41841}"/>
-          </ac:spMkLst>
-        </pc:spChg>
-        <pc:spChg chg="mod">
-          <ac:chgData name="dbydd mfrf-" userId="73ebdcb88384168a" providerId="LiveId" clId="{6C34A5EC-40D9-4F4C-AAE7-DDA42FA443E8}" dt="2024-08-19T01:12:05.340" v="3117" actId="20577"/>
-          <ac:spMkLst>
-            <pc:docMk/>
-            <pc:sldMk cId="761656711" sldId="407"/>
-            <ac:spMk id="6" creationId="{00000000-0000-0000-0000-000000000000}"/>
-          </ac:spMkLst>
-        </pc:spChg>
-        <pc:picChg chg="del">
-          <ac:chgData name="dbydd mfrf-" userId="73ebdcb88384168a" providerId="LiveId" clId="{6C34A5EC-40D9-4F4C-AAE7-DDA42FA443E8}" dt="2024-08-18T13:14:20.107" v="933" actId="478"/>
-          <ac:picMkLst>
-            <pc:docMk/>
-            <pc:sldMk cId="761656711" sldId="407"/>
-            <ac:picMk id="5" creationId="{00000000-0000-0000-0000-000000000000}"/>
-          </ac:picMkLst>
-        </pc:picChg>
-        <pc:picChg chg="add del mod">
-          <ac:chgData name="dbydd mfrf-" userId="73ebdcb88384168a" providerId="LiveId" clId="{6C34A5EC-40D9-4F4C-AAE7-DDA42FA443E8}" dt="2024-08-18T13:16:07.216" v="939" actId="478"/>
-          <ac:picMkLst>
-            <pc:docMk/>
-            <pc:sldMk cId="761656711" sldId="407"/>
-            <ac:picMk id="2050" creationId="{2E1B537A-9F3E-31EB-78A0-7A272C2BB9F0}"/>
-          </ac:picMkLst>
-        </pc:picChg>
-        <pc:picChg chg="add del">
-          <ac:chgData name="dbydd mfrf-" userId="73ebdcb88384168a" providerId="LiveId" clId="{6C34A5EC-40D9-4F4C-AAE7-DDA42FA443E8}" dt="2024-08-18T13:16:07.216" v="939" actId="478"/>
-          <ac:picMkLst>
-            <pc:docMk/>
-            <pc:sldMk cId="761656711" sldId="407"/>
-            <ac:picMk id="2052" creationId="{703E3BFD-C3CB-BD31-2C70-FF8E5C36A725}"/>
-          </ac:picMkLst>
-        </pc:picChg>
-        <pc:picChg chg="add mod">
-          <ac:chgData name="dbydd mfrf-" userId="73ebdcb88384168a" providerId="LiveId" clId="{6C34A5EC-40D9-4F4C-AAE7-DDA42FA443E8}" dt="2024-08-18T13:16:15.978" v="944" actId="1076"/>
-          <ac:picMkLst>
-            <pc:docMk/>
-            <pc:sldMk cId="761656711" sldId="407"/>
-            <ac:picMk id="2054" creationId="{75526957-CB8A-2CE7-C24D-102B445657C1}"/>
-          </ac:picMkLst>
-        </pc:picChg>
-      </pc:sldChg>
-      <pc:sldChg chg="addSp delSp modSp add mod ord setBg">
-        <pc:chgData name="dbydd mfrf-" userId="73ebdcb88384168a" providerId="LiveId" clId="{6C34A5EC-40D9-4F4C-AAE7-DDA42FA443E8}" dt="2024-08-19T01:03:36.138" v="2986" actId="20577"/>
-        <pc:sldMkLst>
-          <pc:docMk/>
-          <pc:sldMk cId="2996538503" sldId="408"/>
-        </pc:sldMkLst>
-        <pc:spChg chg="mod">
-          <ac:chgData name="dbydd mfrf-" userId="73ebdcb88384168a" providerId="LiveId" clId="{6C34A5EC-40D9-4F4C-AAE7-DDA42FA443E8}" dt="2024-08-19T01:03:36.138" v="2986" actId="20577"/>
-          <ac:spMkLst>
-            <pc:docMk/>
-            <pc:sldMk cId="2996538503" sldId="408"/>
-            <ac:spMk id="31" creationId="{00000000-0000-0000-0000-000000000000}"/>
-          </ac:spMkLst>
-        </pc:spChg>
-        <pc:picChg chg="add mod">
-          <ac:chgData name="dbydd mfrf-" userId="73ebdcb88384168a" providerId="LiveId" clId="{6C34A5EC-40D9-4F4C-AAE7-DDA42FA443E8}" dt="2024-08-18T14:32:17.557" v="2285"/>
-          <ac:picMkLst>
-            <pc:docMk/>
-            <pc:sldMk cId="2996538503" sldId="408"/>
-            <ac:picMk id="2" creationId="{C356C57E-150C-3487-E1F2-9A9AD108EF61}"/>
-          </ac:picMkLst>
-        </pc:picChg>
-        <pc:picChg chg="del">
-          <ac:chgData name="dbydd mfrf-" userId="73ebdcb88384168a" providerId="LiveId" clId="{6C34A5EC-40D9-4F4C-AAE7-DDA42FA443E8}" dt="2024-08-18T14:32:16.157" v="2283" actId="478"/>
-          <ac:picMkLst>
-            <pc:docMk/>
-            <pc:sldMk cId="2996538503" sldId="408"/>
-            <ac:picMk id="1026" creationId="{00000000-0000-0000-0000-000000000000}"/>
-          </ac:picMkLst>
-        </pc:picChg>
-        <pc:picChg chg="del">
-          <ac:chgData name="dbydd mfrf-" userId="73ebdcb88384168a" providerId="LiveId" clId="{6C34A5EC-40D9-4F4C-AAE7-DDA42FA443E8}" dt="2024-08-18T14:32:17.373" v="2284" actId="478"/>
-          <ac:picMkLst>
-            <pc:docMk/>
-            <pc:sldMk cId="2996538503" sldId="408"/>
-            <ac:picMk id="1028" creationId="{00000000-0000-0000-0000-000000000000}"/>
-          </ac:picMkLst>
-        </pc:picChg>
-      </pc:sldChg>
-      <pc:sldChg chg="addSp delSp modSp new del mod">
-        <pc:chgData name="dbydd mfrf-" userId="73ebdcb88384168a" providerId="LiveId" clId="{6C34A5EC-40D9-4F4C-AAE7-DDA42FA443E8}" dt="2024-08-18T14:22:31.114" v="1640" actId="47"/>
-        <pc:sldMkLst>
-          <pc:docMk/>
-          <pc:sldMk cId="3072581654" sldId="408"/>
-        </pc:sldMkLst>
-        <pc:spChg chg="mod">
-          <ac:chgData name="dbydd mfrf-" userId="73ebdcb88384168a" providerId="LiveId" clId="{6C34A5EC-40D9-4F4C-AAE7-DDA42FA443E8}" dt="2024-08-18T14:19:07.119" v="1408" actId="20577"/>
-          <ac:spMkLst>
-            <pc:docMk/>
-            <pc:sldMk cId="3072581654" sldId="408"/>
-            <ac:spMk id="2" creationId="{CC2A618C-3225-A497-2122-B1C05E35C0F6}"/>
-          </ac:spMkLst>
-        </pc:spChg>
-        <pc:spChg chg="mod">
-          <ac:chgData name="dbydd mfrf-" userId="73ebdcb88384168a" providerId="LiveId" clId="{6C34A5EC-40D9-4F4C-AAE7-DDA42FA443E8}" dt="2024-08-18T14:22:29.398" v="1639" actId="21"/>
-          <ac:spMkLst>
-            <pc:docMk/>
-            <pc:sldMk cId="3072581654" sldId="408"/>
-            <ac:spMk id="3" creationId="{4BF85D88-5494-2F28-CC27-40A5EFF5715F}"/>
-          </ac:spMkLst>
-        </pc:spChg>
-        <pc:picChg chg="add del mod">
-          <ac:chgData name="dbydd mfrf-" userId="73ebdcb88384168a" providerId="LiveId" clId="{6C34A5EC-40D9-4F4C-AAE7-DDA42FA443E8}" dt="2024-08-18T14:22:19.703" v="1636" actId="21"/>
-          <ac:picMkLst>
-            <pc:docMk/>
-            <pc:sldMk cId="3072581654" sldId="408"/>
-            <ac:picMk id="9218" creationId="{9EFCA99B-9D55-2FD9-A901-E30075303CF6}"/>
-          </ac:picMkLst>
-        </pc:picChg>
-      </pc:sldChg>
-      <pc:sldChg chg="add del setBg">
-        <pc:chgData name="dbydd mfrf-" userId="73ebdcb88384168a" providerId="LiveId" clId="{6C34A5EC-40D9-4F4C-AAE7-DDA42FA443E8}" dt="2024-08-18T14:30:32.290" v="2185" actId="2696"/>
-        <pc:sldMkLst>
-          <pc:docMk/>
-          <pc:sldMk cId="2362545947" sldId="409"/>
-        </pc:sldMkLst>
-      </pc:sldChg>
-      <pc:sldChg chg="addSp delSp modSp add mod">
-        <pc:chgData name="dbydd mfrf-" userId="73ebdcb88384168a" providerId="LiveId" clId="{6C34A5EC-40D9-4F4C-AAE7-DDA42FA443E8}" dt="2024-08-19T01:03:52.259" v="3001"/>
-        <pc:sldMkLst>
-          <pc:docMk/>
-          <pc:sldMk cId="4167119893" sldId="409"/>
-        </pc:sldMkLst>
-        <pc:spChg chg="mod">
-          <ac:chgData name="dbydd mfrf-" userId="73ebdcb88384168a" providerId="LiveId" clId="{6C34A5EC-40D9-4F4C-AAE7-DDA42FA443E8}" dt="2024-08-19T01:03:52.259" v="3001"/>
-          <ac:spMkLst>
-            <pc:docMk/>
-            <pc:sldMk cId="4167119893" sldId="409"/>
-            <ac:spMk id="31" creationId="{00000000-0000-0000-0000-000000000000}"/>
-          </ac:spMkLst>
-        </pc:spChg>
-        <pc:picChg chg="add mod">
-          <ac:chgData name="dbydd mfrf-" userId="73ebdcb88384168a" providerId="LiveId" clId="{6C34A5EC-40D9-4F4C-AAE7-DDA42FA443E8}" dt="2024-08-18T14:32:34.883" v="2289"/>
-          <ac:picMkLst>
-            <pc:docMk/>
-            <pc:sldMk cId="4167119893" sldId="409"/>
-            <ac:picMk id="2" creationId="{ACD4760C-A09C-1927-BA65-8CA9AC85DE53}"/>
-          </ac:picMkLst>
-        </pc:picChg>
-        <pc:picChg chg="del">
-          <ac:chgData name="dbydd mfrf-" userId="73ebdcb88384168a" providerId="LiveId" clId="{6C34A5EC-40D9-4F4C-AAE7-DDA42FA443E8}" dt="2024-08-18T14:32:34.629" v="2288" actId="478"/>
-          <ac:picMkLst>
-            <pc:docMk/>
-            <pc:sldMk cId="4167119893" sldId="409"/>
-            <ac:picMk id="1026" creationId="{00000000-0000-0000-0000-000000000000}"/>
-          </ac:picMkLst>
-        </pc:picChg>
-        <pc:picChg chg="del">
-          <ac:chgData name="dbydd mfrf-" userId="73ebdcb88384168a" providerId="LiveId" clId="{6C34A5EC-40D9-4F4C-AAE7-DDA42FA443E8}" dt="2024-08-18T14:32:34.629" v="2288" actId="478"/>
-          <ac:picMkLst>
-            <pc:docMk/>
-            <pc:sldMk cId="4167119893" sldId="409"/>
-            <ac:picMk id="1028" creationId="{00000000-0000-0000-0000-000000000000}"/>
-          </ac:picMkLst>
-        </pc:picChg>
-      </pc:sldChg>
-      <pc:sldChg chg="addSp delSp modSp add mod">
-        <pc:chgData name="dbydd mfrf-" userId="73ebdcb88384168a" providerId="LiveId" clId="{6C34A5EC-40D9-4F4C-AAE7-DDA42FA443E8}" dt="2024-08-18T14:34:46.661" v="2354" actId="20577"/>
-        <pc:sldMkLst>
-          <pc:docMk/>
-          <pc:sldMk cId="3869953731" sldId="410"/>
-        </pc:sldMkLst>
-        <pc:spChg chg="mod">
-          <ac:chgData name="dbydd mfrf-" userId="73ebdcb88384168a" providerId="LiveId" clId="{6C34A5EC-40D9-4F4C-AAE7-DDA42FA443E8}" dt="2024-08-18T14:34:46.661" v="2354" actId="20577"/>
-          <ac:spMkLst>
-            <pc:docMk/>
-            <pc:sldMk cId="3869953731" sldId="410"/>
-            <ac:spMk id="31" creationId="{00000000-0000-0000-0000-000000000000}"/>
-          </ac:spMkLst>
-        </pc:spChg>
-        <pc:picChg chg="add mod">
-          <ac:chgData name="dbydd mfrf-" userId="73ebdcb88384168a" providerId="LiveId" clId="{6C34A5EC-40D9-4F4C-AAE7-DDA42FA443E8}" dt="2024-08-18T14:32:28.278" v="2287"/>
-          <ac:picMkLst>
-            <pc:docMk/>
-            <pc:sldMk cId="3869953731" sldId="410"/>
-            <ac:picMk id="2" creationId="{3A468039-6CDB-E200-E920-2D08327FA7D2}"/>
-          </ac:picMkLst>
-        </pc:picChg>
-        <pc:picChg chg="del">
-          <ac:chgData name="dbydd mfrf-" userId="73ebdcb88384168a" providerId="LiveId" clId="{6C34A5EC-40D9-4F4C-AAE7-DDA42FA443E8}" dt="2024-08-18T14:32:27.519" v="2286" actId="478"/>
-          <ac:picMkLst>
-            <pc:docMk/>
-            <pc:sldMk cId="3869953731" sldId="410"/>
-            <ac:picMk id="1026" creationId="{00000000-0000-0000-0000-000000000000}"/>
-          </ac:picMkLst>
-        </pc:picChg>
-        <pc:picChg chg="del">
-          <ac:chgData name="dbydd mfrf-" userId="73ebdcb88384168a" providerId="LiveId" clId="{6C34A5EC-40D9-4F4C-AAE7-DDA42FA443E8}" dt="2024-08-18T14:32:27.519" v="2286" actId="478"/>
-          <ac:picMkLst>
-            <pc:docMk/>
-            <pc:sldMk cId="3869953731" sldId="410"/>
-            <ac:picMk id="1028" creationId="{00000000-0000-0000-0000-000000000000}"/>
-          </ac:picMkLst>
-        </pc:picChg>
-      </pc:sldChg>
-      <pc:sldChg chg="modSp add mod">
-        <pc:chgData name="dbydd mfrf-" userId="73ebdcb88384168a" providerId="LiveId" clId="{6C34A5EC-40D9-4F4C-AAE7-DDA42FA443E8}" dt="2024-08-18T14:35:04.511" v="2374"/>
-        <pc:sldMkLst>
-          <pc:docMk/>
-          <pc:sldMk cId="281820782" sldId="411"/>
-        </pc:sldMkLst>
-        <pc:spChg chg="mod">
-          <ac:chgData name="dbydd mfrf-" userId="73ebdcb88384168a" providerId="LiveId" clId="{6C34A5EC-40D9-4F4C-AAE7-DDA42FA443E8}" dt="2024-08-18T14:35:04.511" v="2374"/>
-          <ac:spMkLst>
-            <pc:docMk/>
-            <pc:sldMk cId="281820782" sldId="411"/>
-            <ac:spMk id="31" creationId="{00000000-0000-0000-0000-000000000000}"/>
-          </ac:spMkLst>
-        </pc:spChg>
-      </pc:sldChg>
-      <pc:sldMasterChg chg="delSldLayout modSldLayout">
-        <pc:chgData name="dbydd mfrf-" userId="73ebdcb88384168a" providerId="LiveId" clId="{6C34A5EC-40D9-4F4C-AAE7-DDA42FA443E8}" dt="2024-08-18T14:18:23.278" v="1336" actId="47"/>
-        <pc:sldMasterMkLst>
-          <pc:docMk/>
-          <pc:sldMasterMk cId="318045092" sldId="2147483663"/>
-        </pc:sldMasterMkLst>
-        <pc:sldLayoutChg chg="addSp">
-          <pc:chgData name="dbydd mfrf-" userId="73ebdcb88384168a" providerId="LiveId" clId="{6C34A5EC-40D9-4F4C-AAE7-DDA42FA443E8}" dt="2024-08-18T13:18:08.691" v="1100"/>
-          <pc:sldLayoutMkLst>
-            <pc:docMk/>
-            <pc:sldMasterMk cId="318045092" sldId="2147483663"/>
-            <pc:sldLayoutMk cId="623174064" sldId="2147483669"/>
-          </pc:sldLayoutMkLst>
-          <pc:picChg chg="add">
-            <ac:chgData name="dbydd mfrf-" userId="73ebdcb88384168a" providerId="LiveId" clId="{6C34A5EC-40D9-4F4C-AAE7-DDA42FA443E8}" dt="2024-08-18T13:18:08.691" v="1100"/>
-            <ac:picMkLst>
-              <pc:docMk/>
-              <pc:sldMasterMk cId="318045092" sldId="2147483663"/>
-              <pc:sldLayoutMk cId="623174064" sldId="2147483669"/>
-              <ac:picMk id="3" creationId="{718D08F2-5B91-8FFF-DEBB-8507478C5450}"/>
-            </ac:picMkLst>
-          </pc:picChg>
-        </pc:sldLayoutChg>
-        <pc:sldLayoutChg chg="del">
-          <pc:chgData name="dbydd mfrf-" userId="73ebdcb88384168a" providerId="LiveId" clId="{6C34A5EC-40D9-4F4C-AAE7-DDA42FA443E8}" dt="2024-08-18T14:18:23.278" v="1336" actId="47"/>
-          <pc:sldLayoutMkLst>
-            <pc:docMk/>
-            <pc:sldMasterMk cId="318045092" sldId="2147483663"/>
-            <pc:sldLayoutMk cId="332606354" sldId="2147483684"/>
-          </pc:sldLayoutMkLst>
-        </pc:sldLayoutChg>
-      </pc:sldMasterChg>
-      <pc:sldMasterChg chg="modSldLayout">
-        <pc:chgData name="dbydd mfrf-" userId="73ebdcb88384168a" providerId="LiveId" clId="{6C34A5EC-40D9-4F4C-AAE7-DDA42FA443E8}" dt="2024-08-18T13:19:20.182" v="1103"/>
-        <pc:sldMasterMkLst>
-          <pc:docMk/>
-          <pc:sldMasterMk cId="1078620240" sldId="2147483687"/>
-        </pc:sldMasterMkLst>
-        <pc:sldLayoutChg chg="addSp">
-          <pc:chgData name="dbydd mfrf-" userId="73ebdcb88384168a" providerId="LiveId" clId="{6C34A5EC-40D9-4F4C-AAE7-DDA42FA443E8}" dt="2024-08-18T13:19:20.182" v="1103"/>
-          <pc:sldLayoutMkLst>
-            <pc:docMk/>
-            <pc:sldMasterMk cId="1078620240" sldId="2147483687"/>
-            <pc:sldLayoutMk cId="1294091602" sldId="2147483693"/>
-          </pc:sldLayoutMkLst>
-          <pc:picChg chg="add">
-            <ac:chgData name="dbydd mfrf-" userId="73ebdcb88384168a" providerId="LiveId" clId="{6C34A5EC-40D9-4F4C-AAE7-DDA42FA443E8}" dt="2024-08-18T13:19:20.182" v="1103"/>
-            <ac:picMkLst>
-              <pc:docMk/>
-              <pc:sldMasterMk cId="1078620240" sldId="2147483687"/>
-              <pc:sldLayoutMk cId="1294091602" sldId="2147483693"/>
-              <ac:picMk id="6" creationId="{7CFE34D9-F114-1949-E09F-8826FDBFE3D5}"/>
-            </ac:picMkLst>
-          </pc:picChg>
-        </pc:sldLayoutChg>
-      </pc:sldMasterChg>
-      <pc:sldMasterChg chg="modSldLayout">
-        <pc:chgData name="dbydd mfrf-" userId="73ebdcb88384168a" providerId="LiveId" clId="{6C34A5EC-40D9-4F4C-AAE7-DDA42FA443E8}" dt="2024-08-18T13:19:38.051" v="1110"/>
-        <pc:sldMasterMkLst>
-          <pc:docMk/>
-          <pc:sldMasterMk cId="1294823421" sldId="2147483687"/>
-        </pc:sldMasterMkLst>
-        <pc:sldLayoutChg chg="addSp">
-          <pc:chgData name="dbydd mfrf-" userId="73ebdcb88384168a" providerId="LiveId" clId="{6C34A5EC-40D9-4F4C-AAE7-DDA42FA443E8}" dt="2024-08-18T13:19:38.051" v="1110"/>
-          <pc:sldLayoutMkLst>
-            <pc:docMk/>
-            <pc:sldMasterMk cId="1294823421" sldId="2147483687"/>
-            <pc:sldLayoutMk cId="2675327020" sldId="2147483693"/>
-          </pc:sldLayoutMkLst>
-          <pc:picChg chg="add">
-            <ac:chgData name="dbydd mfrf-" userId="73ebdcb88384168a" providerId="LiveId" clId="{6C34A5EC-40D9-4F4C-AAE7-DDA42FA443E8}" dt="2024-08-18T13:19:38.051" v="1110"/>
-            <ac:picMkLst>
-              <pc:docMk/>
-              <pc:sldMasterMk cId="1294823421" sldId="2147483687"/>
-              <pc:sldLayoutMk cId="2675327020" sldId="2147483693"/>
-              <ac:picMk id="6" creationId="{3336AE67-B873-3645-B8DE-553BD3597947}"/>
-            </ac:picMkLst>
-          </pc:picChg>
-        </pc:sldLayoutChg>
-      </pc:sldMasterChg>
-    </pc:docChg>
-  </pc:docChgLst>
-</pc:chgInfo>
 </file>
 
 <file path=ppt/handoutMasters/handoutMaster1.xml><?xml version="1.0" encoding="utf-8"?>
@@ -9145,7 +7766,13 @@
             <p:nvPr/>
           </p:nvPicPr>
           <p:blipFill rotWithShape="1">
-            <a:blip r:embed="rId2" cstate="screen"/>
+            <a:blip r:embed="rId2" cstate="screen">
+              <a:extLst>
+                <a:ext uri="{28A0092B-C50C-407E-A947-70E740481C1C}">
+                  <a14:useLocalDpi xmlns:a14="http://schemas.microsoft.com/office/drawing/2010/main"/>
+                </a:ext>
+              </a:extLst>
+            </a:blip>
             <a:srcRect b="-93"/>
             <a:stretch>
               <a:fillRect/>
@@ -18086,7 +16713,7 @@
           <a:blip r:embed="rId31">
             <a:extLst>
               <a:ext uri="{28A0092B-C50C-407E-A947-70E740481C1C}">
-                <a14:useLocalDpi xmlns:a14="http://schemas.microsoft.com/office/drawing/2010/main" val="0"/>
+                <a14:useLocalDpi xmlns:a14="http://schemas.microsoft.com/office/drawing/2010/main"/>
               </a:ext>
             </a:extLst>
           </a:blip>
@@ -18115,7 +16742,7 @@
           <a:blip r:embed="rId32">
             <a:extLst>
               <a:ext uri="{28A0092B-C50C-407E-A947-70E740481C1C}">
-                <a14:useLocalDpi xmlns:a14="http://schemas.microsoft.com/office/drawing/2010/main" val="0"/>
+                <a14:useLocalDpi xmlns:a14="http://schemas.microsoft.com/office/drawing/2010/main"/>
               </a:ext>
             </a:extLst>
           </a:blip>
@@ -18207,7 +16834,7 @@
           <a:blip r:embed="rId33">
             <a:extLst>
               <a:ext uri="{28A0092B-C50C-407E-A947-70E740481C1C}">
-                <a14:useLocalDpi xmlns:a14="http://schemas.microsoft.com/office/drawing/2010/main" val="0"/>
+                <a14:useLocalDpi xmlns:a14="http://schemas.microsoft.com/office/drawing/2010/main"/>
               </a:ext>
             </a:extLst>
           </a:blip>
@@ -18236,7 +16863,7 @@
           <a:blip r:embed="rId34">
             <a:extLst>
               <a:ext uri="{28A0092B-C50C-407E-A947-70E740481C1C}">
-                <a14:useLocalDpi xmlns:a14="http://schemas.microsoft.com/office/drawing/2010/main" val="0"/>
+                <a14:useLocalDpi xmlns:a14="http://schemas.microsoft.com/office/drawing/2010/main"/>
               </a:ext>
             </a:extLst>
           </a:blip>
@@ -20222,11 +18849,7 @@
           <a:p>
             <a:r>
               <a:rPr lang="zh-CN" altLang="en-US" sz="1600" dirty="0"/>
-              <a:t>指导老师：</a:t>
-            </a:r>
-            <a:r>
-              <a:rPr lang="zh-CN" altLang="en-US" sz="1600"/>
-              <a:t>丁菊</a:t>
+              <a:t>指导老师：丁菊</a:t>
             </a:r>
             <a:endParaRPr lang="en-HK" altLang="zh-CN" sz="1600" dirty="0"/>
           </a:p>
@@ -20781,7 +19404,7 @@
           <a:blip r:embed="rId2">
             <a:extLst>
               <a:ext uri="{28A0092B-C50C-407E-A947-70E740481C1C}">
-                <a14:useLocalDpi xmlns:a14="http://schemas.microsoft.com/office/drawing/2010/main" val="0"/>
+                <a14:useLocalDpi xmlns:a14="http://schemas.microsoft.com/office/drawing/2010/main"/>
               </a:ext>
             </a:extLst>
           </a:blip>
@@ -21301,7 +19924,7 @@
           <a:blip r:embed="rId2">
             <a:extLst>
               <a:ext uri="{28A0092B-C50C-407E-A947-70E740481C1C}">
-                <a14:useLocalDpi xmlns:a14="http://schemas.microsoft.com/office/drawing/2010/main" val="0"/>
+                <a14:useLocalDpi xmlns:a14="http://schemas.microsoft.com/office/drawing/2010/main"/>
               </a:ext>
             </a:extLst>
           </a:blip>
@@ -21386,32 +20009,49 @@
       </p:sp>
       <p:pic>
         <p:nvPicPr>
-          <p:cNvPr id="4" name="图片 3" descr="图示&#10;&#10;描述已自动生成">
+          <p:cNvPr id="1028" name="Picture 4">
             <a:extLst>
               <a:ext uri="{FF2B5EF4-FFF2-40B4-BE49-F238E27FC236}">
-                <a16:creationId xmlns:a16="http://schemas.microsoft.com/office/drawing/2014/main" id="{14A5051C-6F1E-45B7-3F11-0B114D213C73}"/>
+                <a16:creationId xmlns:a16="http://schemas.microsoft.com/office/drawing/2014/main" id="{47759420-4964-64F1-2092-1DC3BF864C92}"/>
               </a:ext>
             </a:extLst>
           </p:cNvPr>
           <p:cNvPicPr>
-            <a:picLocks noChangeAspect="1"/>
+            <a:picLocks noChangeAspect="1" noChangeArrowheads="1"/>
           </p:cNvPicPr>
           <p:nvPr/>
         </p:nvPicPr>
         <p:blipFill>
-          <a:blip r:embed="rId2"/>
+          <a:blip r:embed="rId2">
+            <a:extLst>
+              <a:ext uri="{28A0092B-C50C-407E-A947-70E740481C1C}">
+                <a14:useLocalDpi xmlns:a14="http://schemas.microsoft.com/office/drawing/2010/main" val="0"/>
+              </a:ext>
+            </a:extLst>
+          </a:blip>
+          <a:srcRect/>
           <a:stretch>
             <a:fillRect/>
           </a:stretch>
         </p:blipFill>
-        <p:spPr>
+        <p:spPr bwMode="auto">
           <a:xfrm>
-            <a:off x="1957126" y="0"/>
-            <a:ext cx="8277748" cy="6858000"/>
+            <a:off x="1957388" y="0"/>
+            <a:ext cx="8277225" cy="6858000"/>
           </a:xfrm>
           <a:prstGeom prst="rect">
             <a:avLst/>
           </a:prstGeom>
+          <a:noFill/>
+          <a:extLst>
+            <a:ext uri="{909E8E84-426E-40DD-AFC4-6F175D3DCCD1}">
+              <a14:hiddenFill xmlns:a14="http://schemas.microsoft.com/office/drawing/2010/main">
+                <a:solidFill>
+                  <a:srgbClr val="FFFFFF"/>
+                </a:solidFill>
+              </a14:hiddenFill>
+            </a:ext>
+          </a:extLst>
         </p:spPr>
       </p:pic>
     </p:spTree>
@@ -21477,10 +20117,10 @@
           <a:lstStyle/>
           <a:p>
             <a:r>
-              <a:rPr lang="zh-CN" altLang="en-US" dirty="0"/>
+              <a:rPr lang="zh-CN" altLang="en-US" sz="6000" dirty="0"/>
               <a:t>目录</a:t>
             </a:r>
-            <a:endParaRPr lang="en-US" dirty="0"/>
+            <a:endParaRPr lang="en-US" sz="6000" dirty="0"/>
           </a:p>
         </p:txBody>
       </p:sp>
@@ -21974,7 +20614,7 @@
                   <a:schemeClr val="tx1"/>
                 </a:solidFill>
               </a:rPr>
-              <a:t>请各位老师评委点评</a:t>
+              <a:t>请各位评委老师点评</a:t>
             </a:r>
             <a:endParaRPr lang="en-US" dirty="0">
               <a:solidFill>
@@ -22058,10 +20698,10 @@
           <a:lstStyle/>
           <a:p>
             <a:r>
-              <a:rPr lang="zh-CN" altLang="en-US" dirty="0"/>
+              <a:rPr lang="zh-CN" altLang="en-US" sz="6000" dirty="0"/>
               <a:t>目录</a:t>
             </a:r>
-            <a:endParaRPr lang="en-US" dirty="0"/>
+            <a:endParaRPr lang="en-US" sz="6000" dirty="0"/>
           </a:p>
         </p:txBody>
       </p:sp>
@@ -23276,10 +21916,10 @@
           <a:lstStyle/>
           <a:p>
             <a:r>
-              <a:rPr lang="zh-CN" altLang="en-US" dirty="0"/>
+              <a:rPr lang="zh-CN" altLang="en-US" sz="6000" dirty="0"/>
               <a:t>目录</a:t>
             </a:r>
-            <a:endParaRPr lang="en-US" dirty="0"/>
+            <a:endParaRPr lang="en-US" sz="6000" dirty="0"/>
           </a:p>
         </p:txBody>
       </p:sp>
@@ -23931,7 +22571,7 @@
           <a:blip r:embed="rId2">
             <a:extLst>
               <a:ext uri="{28A0092B-C50C-407E-A947-70E740481C1C}">
-                <a14:useLocalDpi xmlns:a14="http://schemas.microsoft.com/office/drawing/2010/main" val="0"/>
+                <a14:useLocalDpi xmlns:a14="http://schemas.microsoft.com/office/drawing/2010/main"/>
               </a:ext>
             </a:extLst>
           </a:blip>
@@ -25026,7 +23666,7 @@
           <a:blip r:embed="rId2">
             <a:extLst>
               <a:ext uri="{28A0092B-C50C-407E-A947-70E740481C1C}">
-                <a14:useLocalDpi xmlns:a14="http://schemas.microsoft.com/office/drawing/2010/main" val="0"/>
+                <a14:useLocalDpi xmlns:a14="http://schemas.microsoft.com/office/drawing/2010/main"/>
               </a:ext>
             </a:extLst>
           </a:blip>
@@ -26115,6 +24755,35 @@
 </file>
 
 <file path=customXml/item1.xml><?xml version="1.0" encoding="utf-8"?>
+<?mso-contentType ?>
+<FormTemplates xmlns="http://schemas.microsoft.com/sharepoint/v3/contenttype/forms">
+  <Display>DocumentLibraryForm</Display>
+  <Edit>DocumentLibraryForm</Edit>
+  <New>DocumentLibraryForm</New>
+</FormTemplates>
+</file>
+
+<file path=customXml/item2.xml><?xml version="1.0" encoding="utf-8"?>
+<p:properties xmlns:p="http://schemas.microsoft.com/office/2006/metadata/properties" xmlns:xsi="http://www.w3.org/2001/XMLSchema-instance" xmlns:pc="http://schemas.microsoft.com/office/infopath/2007/PartnerControls">
+  <documentManagement>
+    <_ip_UnifiedCompliancePolicyUIAction xmlns="http://schemas.microsoft.com/sharepoint/v3" xsi:nil="true"/>
+    <Image xmlns="71af3243-3dd4-4a8d-8c0d-dd76da1f02a5">
+      <Url xsi:nil="true"/>
+      <Description xsi:nil="true"/>
+    </Image>
+    <Status xmlns="71af3243-3dd4-4a8d-8c0d-dd76da1f02a5">Not started</Status>
+    <Background xmlns="71af3243-3dd4-4a8d-8c0d-dd76da1f02a5">false</Background>
+    <_ip_UnifiedCompliancePolicyProperties xmlns="http://schemas.microsoft.com/sharepoint/v3" xsi:nil="true"/>
+    <ImageTagsTaxHTField xmlns="71af3243-3dd4-4a8d-8c0d-dd76da1f02a5">
+      <Terms xmlns="http://schemas.microsoft.com/office/infopath/2007/PartnerControls"/>
+    </ImageTagsTaxHTField>
+    <TaxCatchAll xmlns="230e9df3-be65-4c73-a93b-d1236ebd677e" xsi:nil="true"/>
+    <MediaServiceKeyPoints xmlns="71af3243-3dd4-4a8d-8c0d-dd76da1f02a5" xsi:nil="true"/>
+  </documentManagement>
+</p:properties>
+</file>
+
+<file path=customXml/item3.xml><?xml version="1.0" encoding="utf-8"?>
 <ct:contentTypeSchema xmlns:ct="http://schemas.microsoft.com/office/2006/metadata/contentType" xmlns:ma="http://schemas.microsoft.com/office/2006/metadata/properties/metaAttributes" ct:_="" ma:_="" ma:contentTypeName="Document" ma:contentTypeID="0x01010079F111ED35F8CC479449609E8A0923A6" ma:contentTypeVersion="28" ma:contentTypeDescription="Create a new document." ma:contentTypeScope="" ma:versionID="60f5a4f2d2b0abadcf532d48ebf9cb71">
   <xsd:schema xmlns:xsd="http://www.w3.org/2001/XMLSchema" xmlns:xs="http://www.w3.org/2001/XMLSchema" xmlns:p="http://schemas.microsoft.com/office/2006/metadata/properties" xmlns:ns1="http://schemas.microsoft.com/sharepoint/v3" xmlns:ns2="71af3243-3dd4-4a8d-8c0d-dd76da1f02a5" xmlns:ns3="16c05727-aa75-4e4a-9b5f-8a80a1165891" xmlns:ns4="230e9df3-be65-4c73-a93b-d1236ebd677e" targetNamespace="http://schemas.microsoft.com/office/2006/metadata/properties" ma:root="true" ma:fieldsID="7dd78129e6a1811f84807ad11c651531" ns1:_="" ns2:_="" ns3:_="" ns4:_="">
     <xsd:import namespace="http://schemas.microsoft.com/sharepoint/v3"/>
@@ -26426,49 +25095,33 @@
 </ct:contentTypeSchema>
 </file>
 
-<file path=customXml/item2.xml><?xml version="1.0" encoding="utf-8"?>
-<p:properties xmlns:p="http://schemas.microsoft.com/office/2006/metadata/properties" xmlns:xsi="http://www.w3.org/2001/XMLSchema-instance" xmlns:pc="http://schemas.microsoft.com/office/infopath/2007/PartnerControls">
-  <documentManagement>
-    <_ip_UnifiedCompliancePolicyUIAction xmlns="http://schemas.microsoft.com/sharepoint/v3" xsi:nil="true"/>
-    <Image xmlns="71af3243-3dd4-4a8d-8c0d-dd76da1f02a5">
-      <Url xsi:nil="true"/>
-      <Description xsi:nil="true"/>
-    </Image>
-    <Status xmlns="71af3243-3dd4-4a8d-8c0d-dd76da1f02a5">Not started</Status>
-    <Background xmlns="71af3243-3dd4-4a8d-8c0d-dd76da1f02a5">false</Background>
-    <_ip_UnifiedCompliancePolicyProperties xmlns="http://schemas.microsoft.com/sharepoint/v3" xsi:nil="true"/>
-    <ImageTagsTaxHTField xmlns="71af3243-3dd4-4a8d-8c0d-dd76da1f02a5">
-      <Terms xmlns="http://schemas.microsoft.com/office/infopath/2007/PartnerControls"/>
-    </ImageTagsTaxHTField>
-    <TaxCatchAll xmlns="230e9df3-be65-4c73-a93b-d1236ebd677e" xsi:nil="true"/>
-    <MediaServiceKeyPoints xmlns="71af3243-3dd4-4a8d-8c0d-dd76da1f02a5" xsi:nil="true"/>
-  </documentManagement>
-</p:properties>
-</file>
-
-<file path=customXml/item3.xml><?xml version="1.0" encoding="utf-8"?>
-<?mso-contentType ?>
-<FormTemplates xmlns="http://schemas.microsoft.com/sharepoint/v3/contenttype/forms">
-  <Display>DocumentLibraryForm</Display>
-  <Edit>DocumentLibraryForm</Edit>
-  <New>DocumentLibraryForm</New>
-</FormTemplates>
-</file>
-
 <file path=customXml/itemProps1.xml><?xml version="1.0" encoding="utf-8"?>
-<ds:datastoreItem xmlns:ds="http://schemas.openxmlformats.org/officeDocument/2006/customXml" ds:itemID="{C77B561B-3A65-4A22-9691-EB838E7F9B87}">
+<ds:datastoreItem xmlns:ds="http://schemas.openxmlformats.org/officeDocument/2006/customXml" ds:itemID="{44137456-21FC-4AE2-8A94-BF06CAF2EB9B}">
   <ds:schemaRefs/>
 </ds:datastoreItem>
 </file>
 
 <file path=customXml/itemProps2.xml><?xml version="1.0" encoding="utf-8"?>
 <ds:datastoreItem xmlns:ds="http://schemas.openxmlformats.org/officeDocument/2006/customXml" ds:itemID="{E305301E-11B3-4B9D-A588-21F3C9809371}">
-  <ds:schemaRefs/>
+  <ds:schemaRefs>
+    <ds:schemaRef ds:uri="http://purl.org/dc/elements/1.1/"/>
+    <ds:schemaRef ds:uri="http://schemas.microsoft.com/sharepoint/v3"/>
+    <ds:schemaRef ds:uri="http://www.w3.org/XML/1998/namespace"/>
+    <ds:schemaRef ds:uri="16c05727-aa75-4e4a-9b5f-8a80a1165891"/>
+    <ds:schemaRef ds:uri="http://purl.org/dc/terms/"/>
+    <ds:schemaRef ds:uri="http://schemas.microsoft.com/office/2006/documentManagement/types"/>
+    <ds:schemaRef ds:uri="http://schemas.microsoft.com/office/infopath/2007/PartnerControls"/>
+    <ds:schemaRef ds:uri="http://schemas.microsoft.com/office/2006/metadata/properties"/>
+    <ds:schemaRef ds:uri="71af3243-3dd4-4a8d-8c0d-dd76da1f02a5"/>
+    <ds:schemaRef ds:uri="http://schemas.openxmlformats.org/package/2006/metadata/core-properties"/>
+    <ds:schemaRef ds:uri="230e9df3-be65-4c73-a93b-d1236ebd677e"/>
+    <ds:schemaRef ds:uri="http://purl.org/dc/dcmitype/"/>
+  </ds:schemaRefs>
 </ds:datastoreItem>
 </file>
 
 <file path=customXml/itemProps3.xml><?xml version="1.0" encoding="utf-8"?>
-<ds:datastoreItem xmlns:ds="http://schemas.openxmlformats.org/officeDocument/2006/customXml" ds:itemID="{44137456-21FC-4AE2-8A94-BF06CAF2EB9B}">
+<ds:datastoreItem xmlns:ds="http://schemas.openxmlformats.org/officeDocument/2006/customXml" ds:itemID="{C77B561B-3A65-4A22-9691-EB838E7F9B87}">
   <ds:schemaRefs/>
 </ds:datastoreItem>
 </file>